--- a/Project1/Speech Synthesis And Perception With Envelope Cue.pptx
+++ b/Project1/Speech Synthesis And Perception With Envelope Cue.pptx
@@ -9,9 +9,17 @@
     <p:sldId id="257" r:id="rId3"/>
     <p:sldId id="258" r:id="rId4"/>
     <p:sldId id="259" r:id="rId5"/>
-    <p:sldId id="260" r:id="rId6"/>
-    <p:sldId id="261" r:id="rId7"/>
-    <p:sldId id="262" r:id="rId8"/>
+    <p:sldId id="261" r:id="rId6"/>
+    <p:sldId id="265" r:id="rId7"/>
+    <p:sldId id="266" r:id="rId8"/>
+    <p:sldId id="267" r:id="rId9"/>
+    <p:sldId id="268" r:id="rId10"/>
+    <p:sldId id="263" r:id="rId11"/>
+    <p:sldId id="269" r:id="rId12"/>
+    <p:sldId id="260" r:id="rId13"/>
+    <p:sldId id="271" r:id="rId14"/>
+    <p:sldId id="270" r:id="rId15"/>
+    <p:sldId id="262" r:id="rId16"/>
   </p:sldIdLst>
   <p:sldSz cx="12192000" cy="6858000"/>
   <p:notesSz cx="6858000" cy="9144000"/>
@@ -110,6 +118,11 @@
       </a:defRPr>
     </a:lvl9pPr>
   </p:defaultTextStyle>
+  <p:extLst>
+    <p:ext uri="{EFAFB233-063F-42B5-8137-9DF3F51BA10A}">
+      <p15:sldGuideLst xmlns:p15="http://schemas.microsoft.com/office/powerpoint/2012/main"/>
+    </p:ext>
+  </p:extLst>
 </p:presentation>
 </file>
 
@@ -272,7 +285,7 @@
           <a:p>
             <a:fld id="{60E7CBFD-4C89-4D84-9379-83A4DD977FAD}" type="datetimeFigureOut">
               <a:rPr lang="zh-CN" altLang="en-US" smtClean="0"/>
-              <a:t>2020/12/10</a:t>
+              <a:t>2020/12/11</a:t>
             </a:fld>
             <a:endParaRPr lang="zh-CN" altLang="en-US"/>
           </a:p>
@@ -470,7 +483,7 @@
           <a:p>
             <a:fld id="{60E7CBFD-4C89-4D84-9379-83A4DD977FAD}" type="datetimeFigureOut">
               <a:rPr lang="zh-CN" altLang="en-US" smtClean="0"/>
-              <a:t>2020/12/10</a:t>
+              <a:t>2020/12/11</a:t>
             </a:fld>
             <a:endParaRPr lang="zh-CN" altLang="en-US"/>
           </a:p>
@@ -678,7 +691,7 @@
           <a:p>
             <a:fld id="{60E7CBFD-4C89-4D84-9379-83A4DD977FAD}" type="datetimeFigureOut">
               <a:rPr lang="zh-CN" altLang="en-US" smtClean="0"/>
-              <a:t>2020/12/10</a:t>
+              <a:t>2020/12/11</a:t>
             </a:fld>
             <a:endParaRPr lang="zh-CN" altLang="en-US"/>
           </a:p>
@@ -876,7 +889,7 @@
           <a:p>
             <a:fld id="{60E7CBFD-4C89-4D84-9379-83A4DD977FAD}" type="datetimeFigureOut">
               <a:rPr lang="zh-CN" altLang="en-US" smtClean="0"/>
-              <a:t>2020/12/10</a:t>
+              <a:t>2020/12/11</a:t>
             </a:fld>
             <a:endParaRPr lang="zh-CN" altLang="en-US"/>
           </a:p>
@@ -1151,7 +1164,7 @@
           <a:p>
             <a:fld id="{60E7CBFD-4C89-4D84-9379-83A4DD977FAD}" type="datetimeFigureOut">
               <a:rPr lang="zh-CN" altLang="en-US" smtClean="0"/>
-              <a:t>2020/12/10</a:t>
+              <a:t>2020/12/11</a:t>
             </a:fld>
             <a:endParaRPr lang="zh-CN" altLang="en-US"/>
           </a:p>
@@ -1416,7 +1429,7 @@
           <a:p>
             <a:fld id="{60E7CBFD-4C89-4D84-9379-83A4DD977FAD}" type="datetimeFigureOut">
               <a:rPr lang="zh-CN" altLang="en-US" smtClean="0"/>
-              <a:t>2020/12/10</a:t>
+              <a:t>2020/12/11</a:t>
             </a:fld>
             <a:endParaRPr lang="zh-CN" altLang="en-US"/>
           </a:p>
@@ -1828,7 +1841,7 @@
           <a:p>
             <a:fld id="{60E7CBFD-4C89-4D84-9379-83A4DD977FAD}" type="datetimeFigureOut">
               <a:rPr lang="zh-CN" altLang="en-US" smtClean="0"/>
-              <a:t>2020/12/10</a:t>
+              <a:t>2020/12/11</a:t>
             </a:fld>
             <a:endParaRPr lang="zh-CN" altLang="en-US"/>
           </a:p>
@@ -1969,7 +1982,7 @@
           <a:p>
             <a:fld id="{60E7CBFD-4C89-4D84-9379-83A4DD977FAD}" type="datetimeFigureOut">
               <a:rPr lang="zh-CN" altLang="en-US" smtClean="0"/>
-              <a:t>2020/12/10</a:t>
+              <a:t>2020/12/11</a:t>
             </a:fld>
             <a:endParaRPr lang="zh-CN" altLang="en-US"/>
           </a:p>
@@ -2082,7 +2095,7 @@
           <a:p>
             <a:fld id="{60E7CBFD-4C89-4D84-9379-83A4DD977FAD}" type="datetimeFigureOut">
               <a:rPr lang="zh-CN" altLang="en-US" smtClean="0"/>
-              <a:t>2020/12/10</a:t>
+              <a:t>2020/12/11</a:t>
             </a:fld>
             <a:endParaRPr lang="zh-CN" altLang="en-US"/>
           </a:p>
@@ -2393,7 +2406,7 @@
           <a:p>
             <a:fld id="{60E7CBFD-4C89-4D84-9379-83A4DD977FAD}" type="datetimeFigureOut">
               <a:rPr lang="zh-CN" altLang="en-US" smtClean="0"/>
-              <a:t>2020/12/10</a:t>
+              <a:t>2020/12/11</a:t>
             </a:fld>
             <a:endParaRPr lang="zh-CN" altLang="en-US"/>
           </a:p>
@@ -2681,7 +2694,7 @@
           <a:p>
             <a:fld id="{60E7CBFD-4C89-4D84-9379-83A4DD977FAD}" type="datetimeFigureOut">
               <a:rPr lang="zh-CN" altLang="en-US" smtClean="0"/>
-              <a:t>2020/12/10</a:t>
+              <a:t>2020/12/11</a:t>
             </a:fld>
             <a:endParaRPr lang="zh-CN" altLang="en-US"/>
           </a:p>
@@ -2922,7 +2935,7 @@
           <a:p>
             <a:fld id="{60E7CBFD-4C89-4D84-9379-83A4DD977FAD}" type="datetimeFigureOut">
               <a:rPr lang="zh-CN" altLang="en-US" smtClean="0"/>
-              <a:t>2020/12/10</a:t>
+              <a:t>2020/12/11</a:t>
             </a:fld>
             <a:endParaRPr lang="zh-CN" altLang="en-US"/>
           </a:p>
@@ -3583,10 +3596,9 @@
           <a:lstStyle/>
           <a:p>
             <a:r>
-              <a:rPr lang="en-US" altLang="zh-CN" sz="2000" dirty="0"/>
-              <a:t>//name</a:t>
-            </a:r>
-            <a:endParaRPr lang="zh-CN" altLang="en-US" sz="2000" dirty="0"/>
+              <a:rPr lang="zh-CN" altLang="en-US" sz="2000" dirty="0"/>
+              <a:t>谭文杰 安广言</a:t>
+            </a:r>
           </a:p>
         </p:txBody>
       </p:sp>
@@ -3659,6 +3671,743 @@
 </p:sld>
 </file>
 
+<file path=ppt/slides/slide10.xml><?xml version="1.0" encoding="utf-8"?>
+<p:sld xmlns:a="http://schemas.openxmlformats.org/drawingml/2006/main" xmlns:r="http://schemas.openxmlformats.org/officeDocument/2006/relationships" xmlns:p="http://schemas.openxmlformats.org/presentationml/2006/main">
+  <p:cSld>
+    <p:spTree>
+      <p:nvGrpSpPr>
+        <p:cNvPr id="1" name=""/>
+        <p:cNvGrpSpPr/>
+        <p:nvPr/>
+      </p:nvGrpSpPr>
+      <p:grpSpPr>
+        <a:xfrm>
+          <a:off x="0" y="0"/>
+          <a:ext cx="0" cy="0"/>
+          <a:chOff x="0" y="0"/>
+          <a:chExt cx="0" cy="0"/>
+        </a:xfrm>
+      </p:grpSpPr>
+      <p:sp>
+        <p:nvSpPr>
+          <p:cNvPr id="2" name="标题 1">
+            <a:extLst>
+              <a:ext uri="{FF2B5EF4-FFF2-40B4-BE49-F238E27FC236}">
+                <a16:creationId xmlns:a16="http://schemas.microsoft.com/office/drawing/2014/main" id="{FC051F74-6305-45EC-8150-8B49E905D1DA}"/>
+              </a:ext>
+            </a:extLst>
+          </p:cNvPr>
+          <p:cNvSpPr>
+            <a:spLocks noGrp="1"/>
+          </p:cNvSpPr>
+          <p:nvPr>
+            <p:ph type="title"/>
+          </p:nvPr>
+        </p:nvSpPr>
+        <p:spPr/>
+        <p:txBody>
+          <a:bodyPr/>
+          <a:lstStyle/>
+          <a:p>
+            <a:endParaRPr lang="zh-CN" altLang="en-US"/>
+          </a:p>
+        </p:txBody>
+      </p:sp>
+      <p:pic>
+        <p:nvPicPr>
+          <p:cNvPr id="5" name="内容占位符 4">
+            <a:extLst>
+              <a:ext uri="{FF2B5EF4-FFF2-40B4-BE49-F238E27FC236}">
+                <a16:creationId xmlns:a16="http://schemas.microsoft.com/office/drawing/2014/main" id="{DB346AF5-4BC3-43D0-98D3-F2E6CAA181A2}"/>
+              </a:ext>
+            </a:extLst>
+          </p:cNvPr>
+          <p:cNvPicPr>
+            <a:picLocks noGrp="1" noChangeAspect="1"/>
+          </p:cNvPicPr>
+          <p:nvPr>
+            <p:ph idx="1"/>
+          </p:nvPr>
+        </p:nvPicPr>
+        <p:blipFill>
+          <a:blip r:embed="rId2">
+            <a:extLst>
+              <a:ext uri="{28A0092B-C50C-407E-A947-70E740481C1C}">
+                <a14:useLocalDpi xmlns:a14="http://schemas.microsoft.com/office/drawing/2010/main" val="0"/>
+              </a:ext>
+            </a:extLst>
+          </a:blip>
+          <a:stretch>
+            <a:fillRect/>
+          </a:stretch>
+        </p:blipFill>
+        <p:spPr>
+          <a:xfrm>
+            <a:off x="1857060" y="365125"/>
+            <a:ext cx="8477880" cy="6355988"/>
+          </a:xfrm>
+        </p:spPr>
+      </p:pic>
+    </p:spTree>
+    <p:extLst>
+      <p:ext uri="{BB962C8B-B14F-4D97-AF65-F5344CB8AC3E}">
+        <p14:creationId xmlns:p14="http://schemas.microsoft.com/office/powerpoint/2010/main" val="520189192"/>
+      </p:ext>
+    </p:extLst>
+  </p:cSld>
+  <p:clrMapOvr>
+    <a:masterClrMapping/>
+  </p:clrMapOvr>
+</p:sld>
+</file>
+
+<file path=ppt/slides/slide11.xml><?xml version="1.0" encoding="utf-8"?>
+<p:sld xmlns:a="http://schemas.openxmlformats.org/drawingml/2006/main" xmlns:r="http://schemas.openxmlformats.org/officeDocument/2006/relationships" xmlns:p="http://schemas.openxmlformats.org/presentationml/2006/main">
+  <p:cSld>
+    <p:spTree>
+      <p:nvGrpSpPr>
+        <p:cNvPr id="1" name=""/>
+        <p:cNvGrpSpPr/>
+        <p:nvPr/>
+      </p:nvGrpSpPr>
+      <p:grpSpPr>
+        <a:xfrm>
+          <a:off x="0" y="0"/>
+          <a:ext cx="0" cy="0"/>
+          <a:chOff x="0" y="0"/>
+          <a:chExt cx="0" cy="0"/>
+        </a:xfrm>
+      </p:grpSpPr>
+      <p:sp>
+        <p:nvSpPr>
+          <p:cNvPr id="2" name="标题 1">
+            <a:extLst>
+              <a:ext uri="{FF2B5EF4-FFF2-40B4-BE49-F238E27FC236}">
+                <a16:creationId xmlns:a16="http://schemas.microsoft.com/office/drawing/2014/main" id="{ECBC711B-7A2E-45F0-B138-CEF99228B2EE}"/>
+              </a:ext>
+            </a:extLst>
+          </p:cNvPr>
+          <p:cNvSpPr>
+            <a:spLocks noGrp="1"/>
+          </p:cNvSpPr>
+          <p:nvPr>
+            <p:ph type="title"/>
+          </p:nvPr>
+        </p:nvSpPr>
+        <p:spPr/>
+        <p:txBody>
+          <a:bodyPr/>
+          <a:lstStyle/>
+          <a:p>
+            <a:endParaRPr lang="zh-CN" altLang="en-US"/>
+          </a:p>
+        </p:txBody>
+      </p:sp>
+      <p:pic>
+        <p:nvPicPr>
+          <p:cNvPr id="5" name="内容占位符 4">
+            <a:extLst>
+              <a:ext uri="{FF2B5EF4-FFF2-40B4-BE49-F238E27FC236}">
+                <a16:creationId xmlns:a16="http://schemas.microsoft.com/office/drawing/2014/main" id="{67F8F32B-3C68-464D-A3E6-F819C5BB6A57}"/>
+              </a:ext>
+            </a:extLst>
+          </p:cNvPr>
+          <p:cNvPicPr>
+            <a:picLocks noGrp="1" noChangeAspect="1"/>
+          </p:cNvPicPr>
+          <p:nvPr>
+            <p:ph idx="1"/>
+          </p:nvPr>
+        </p:nvPicPr>
+        <p:blipFill>
+          <a:blip r:embed="rId2">
+            <a:extLst>
+              <a:ext uri="{28A0092B-C50C-407E-A947-70E740481C1C}">
+                <a14:useLocalDpi xmlns:a14="http://schemas.microsoft.com/office/drawing/2010/main" val="0"/>
+              </a:ext>
+            </a:extLst>
+          </a:blip>
+          <a:stretch>
+            <a:fillRect/>
+          </a:stretch>
+        </p:blipFill>
+        <p:spPr>
+          <a:xfrm>
+            <a:off x="1994377" y="365125"/>
+            <a:ext cx="8055634" cy="6039424"/>
+          </a:xfrm>
+        </p:spPr>
+      </p:pic>
+    </p:spTree>
+    <p:extLst>
+      <p:ext uri="{BB962C8B-B14F-4D97-AF65-F5344CB8AC3E}">
+        <p14:creationId xmlns:p14="http://schemas.microsoft.com/office/powerpoint/2010/main" val="1771118134"/>
+      </p:ext>
+    </p:extLst>
+  </p:cSld>
+  <p:clrMapOvr>
+    <a:masterClrMapping/>
+  </p:clrMapOvr>
+</p:sld>
+</file>
+
+<file path=ppt/slides/slide12.xml><?xml version="1.0" encoding="utf-8"?>
+<p:sld xmlns:a="http://schemas.openxmlformats.org/drawingml/2006/main" xmlns:r="http://schemas.openxmlformats.org/officeDocument/2006/relationships" xmlns:p="http://schemas.openxmlformats.org/presentationml/2006/main">
+  <p:cSld>
+    <p:spTree>
+      <p:nvGrpSpPr>
+        <p:cNvPr id="1" name=""/>
+        <p:cNvGrpSpPr/>
+        <p:nvPr/>
+      </p:nvGrpSpPr>
+      <p:grpSpPr>
+        <a:xfrm>
+          <a:off x="0" y="0"/>
+          <a:ext cx="0" cy="0"/>
+          <a:chOff x="0" y="0"/>
+          <a:chExt cx="0" cy="0"/>
+        </a:xfrm>
+      </p:grpSpPr>
+      <p:sp>
+        <p:nvSpPr>
+          <p:cNvPr id="2" name="标题 1">
+            <a:extLst>
+              <a:ext uri="{FF2B5EF4-FFF2-40B4-BE49-F238E27FC236}">
+                <a16:creationId xmlns:a16="http://schemas.microsoft.com/office/drawing/2014/main" id="{E24743ED-6AEA-472F-98B9-474534CA7130}"/>
+              </a:ext>
+            </a:extLst>
+          </p:cNvPr>
+          <p:cNvSpPr>
+            <a:spLocks noGrp="1"/>
+          </p:cNvSpPr>
+          <p:nvPr>
+            <p:ph type="title"/>
+          </p:nvPr>
+        </p:nvSpPr>
+        <p:spPr/>
+        <p:txBody>
+          <a:bodyPr/>
+          <a:lstStyle/>
+          <a:p>
+            <a:r>
+              <a:rPr lang="en-US" altLang="zh-CN" dirty="0"/>
+              <a:t>Critical Thinking</a:t>
+            </a:r>
+            <a:endParaRPr lang="zh-CN" altLang="en-US" dirty="0"/>
+          </a:p>
+        </p:txBody>
+      </p:sp>
+      <p:sp>
+        <p:nvSpPr>
+          <p:cNvPr id="3" name="内容占位符 2">
+            <a:extLst>
+              <a:ext uri="{FF2B5EF4-FFF2-40B4-BE49-F238E27FC236}">
+                <a16:creationId xmlns:a16="http://schemas.microsoft.com/office/drawing/2014/main" id="{9DA0D737-56B2-4EDC-92B1-BEDB77F75CC2}"/>
+              </a:ext>
+            </a:extLst>
+          </p:cNvPr>
+          <p:cNvSpPr>
+            <a:spLocks noGrp="1"/>
+          </p:cNvSpPr>
+          <p:nvPr>
+            <p:ph idx="1"/>
+          </p:nvPr>
+        </p:nvSpPr>
+        <p:spPr/>
+        <p:txBody>
+          <a:bodyPr/>
+          <a:lstStyle/>
+          <a:p>
+            <a:r>
+              <a:rPr lang="en-US" altLang="zh-CN" dirty="0"/>
+              <a:t>First we try to manually split up each sections for different Ns, but we found that too hard when N is relatively large. So we change the way of simulations and use a vectorized one, which really increase our productivity, and further more, gives us an interface which can be linked to the GUI. </a:t>
+            </a:r>
+          </a:p>
+          <a:p>
+            <a:pPr marL="0" indent="0">
+              <a:buNone/>
+            </a:pPr>
+            <a:endParaRPr lang="en-US" altLang="zh-CN" dirty="0"/>
+          </a:p>
+          <a:p>
+            <a:r>
+              <a:rPr lang="en-US" altLang="zh-CN" dirty="0"/>
+              <a:t>Second we compare Butterworth, Chebyshev and Bessel filters.</a:t>
+            </a:r>
+          </a:p>
+          <a:p>
+            <a:endParaRPr lang="zh-CN" altLang="en-US" dirty="0"/>
+          </a:p>
+        </p:txBody>
+      </p:sp>
+    </p:spTree>
+    <p:extLst>
+      <p:ext uri="{BB962C8B-B14F-4D97-AF65-F5344CB8AC3E}">
+        <p14:creationId xmlns:p14="http://schemas.microsoft.com/office/powerpoint/2010/main" val="663784730"/>
+      </p:ext>
+    </p:extLst>
+  </p:cSld>
+  <p:clrMapOvr>
+    <a:masterClrMapping/>
+  </p:clrMapOvr>
+</p:sld>
+</file>
+
+<file path=ppt/slides/slide13.xml><?xml version="1.0" encoding="utf-8"?>
+<p:sld xmlns:a="http://schemas.openxmlformats.org/drawingml/2006/main" xmlns:r="http://schemas.openxmlformats.org/officeDocument/2006/relationships" xmlns:p="http://schemas.openxmlformats.org/presentationml/2006/main">
+  <p:cSld>
+    <p:spTree>
+      <p:nvGrpSpPr>
+        <p:cNvPr id="1" name=""/>
+        <p:cNvGrpSpPr/>
+        <p:nvPr/>
+      </p:nvGrpSpPr>
+      <p:grpSpPr>
+        <a:xfrm>
+          <a:off x="0" y="0"/>
+          <a:ext cx="0" cy="0"/>
+          <a:chOff x="0" y="0"/>
+          <a:chExt cx="0" cy="0"/>
+        </a:xfrm>
+      </p:grpSpPr>
+      <p:sp>
+        <p:nvSpPr>
+          <p:cNvPr id="2" name="标题 1">
+            <a:extLst>
+              <a:ext uri="{FF2B5EF4-FFF2-40B4-BE49-F238E27FC236}">
+                <a16:creationId xmlns:a16="http://schemas.microsoft.com/office/drawing/2014/main" id="{7FE57E66-44D0-4E58-8FB1-8FE77B819C06}"/>
+              </a:ext>
+            </a:extLst>
+          </p:cNvPr>
+          <p:cNvSpPr>
+            <a:spLocks noGrp="1"/>
+          </p:cNvSpPr>
+          <p:nvPr>
+            <p:ph type="title"/>
+          </p:nvPr>
+        </p:nvSpPr>
+        <p:spPr/>
+        <p:txBody>
+          <a:bodyPr/>
+          <a:lstStyle/>
+          <a:p>
+            <a:endParaRPr lang="zh-CN" altLang="en-US"/>
+          </a:p>
+        </p:txBody>
+      </p:sp>
+      <p:pic>
+        <p:nvPicPr>
+          <p:cNvPr id="13" name="内容占位符 12">
+            <a:extLst>
+              <a:ext uri="{FF2B5EF4-FFF2-40B4-BE49-F238E27FC236}">
+                <a16:creationId xmlns:a16="http://schemas.microsoft.com/office/drawing/2014/main" id="{7D7ABBE9-BE61-4CCB-BCB9-F9FAC194D3DB}"/>
+              </a:ext>
+            </a:extLst>
+          </p:cNvPr>
+          <p:cNvPicPr>
+            <a:picLocks noGrp="1" noChangeAspect="1"/>
+          </p:cNvPicPr>
+          <p:nvPr>
+            <p:ph idx="1"/>
+          </p:nvPr>
+        </p:nvPicPr>
+        <p:blipFill>
+          <a:blip r:embed="rId2">
+            <a:extLst>
+              <a:ext uri="{28A0092B-C50C-407E-A947-70E740481C1C}">
+                <a14:useLocalDpi xmlns:a14="http://schemas.microsoft.com/office/drawing/2010/main" val="0"/>
+              </a:ext>
+            </a:extLst>
+          </a:blip>
+          <a:stretch>
+            <a:fillRect/>
+          </a:stretch>
+        </p:blipFill>
+        <p:spPr>
+          <a:xfrm>
+            <a:off x="436227" y="1799997"/>
+            <a:ext cx="10257848" cy="800589"/>
+          </a:xfrm>
+        </p:spPr>
+      </p:pic>
+      <p:pic>
+        <p:nvPicPr>
+          <p:cNvPr id="15" name="图片 14">
+            <a:extLst>
+              <a:ext uri="{FF2B5EF4-FFF2-40B4-BE49-F238E27FC236}">
+                <a16:creationId xmlns:a16="http://schemas.microsoft.com/office/drawing/2014/main" id="{DFC4F496-867B-4744-B0CC-D17764CFDDA1}"/>
+              </a:ext>
+            </a:extLst>
+          </p:cNvPr>
+          <p:cNvPicPr>
+            <a:picLocks noChangeAspect="1"/>
+          </p:cNvPicPr>
+          <p:nvPr/>
+        </p:nvPicPr>
+        <p:blipFill>
+          <a:blip r:embed="rId3">
+            <a:extLst>
+              <a:ext uri="{28A0092B-C50C-407E-A947-70E740481C1C}">
+                <a14:useLocalDpi xmlns:a14="http://schemas.microsoft.com/office/drawing/2010/main" val="0"/>
+              </a:ext>
+            </a:extLst>
+          </a:blip>
+          <a:stretch>
+            <a:fillRect/>
+          </a:stretch>
+        </p:blipFill>
+        <p:spPr>
+          <a:xfrm>
+            <a:off x="148842" y="825241"/>
+            <a:ext cx="11893157" cy="825732"/>
+          </a:xfrm>
+          <a:prstGeom prst="rect">
+            <a:avLst/>
+          </a:prstGeom>
+        </p:spPr>
+      </p:pic>
+      <p:pic>
+        <p:nvPicPr>
+          <p:cNvPr id="17" name="图片 16">
+            <a:extLst>
+              <a:ext uri="{FF2B5EF4-FFF2-40B4-BE49-F238E27FC236}">
+                <a16:creationId xmlns:a16="http://schemas.microsoft.com/office/drawing/2014/main" id="{6AE61BE0-749B-49B6-AB4C-836C632D161C}"/>
+              </a:ext>
+            </a:extLst>
+          </p:cNvPr>
+          <p:cNvPicPr>
+            <a:picLocks noChangeAspect="1"/>
+          </p:cNvPicPr>
+          <p:nvPr/>
+        </p:nvPicPr>
+        <p:blipFill>
+          <a:blip r:embed="rId4">
+            <a:extLst>
+              <a:ext uri="{28A0092B-C50C-407E-A947-70E740481C1C}">
+                <a14:useLocalDpi xmlns:a14="http://schemas.microsoft.com/office/drawing/2010/main" val="0"/>
+              </a:ext>
+            </a:extLst>
+          </a:blip>
+          <a:stretch>
+            <a:fillRect/>
+          </a:stretch>
+        </p:blipFill>
+        <p:spPr>
+          <a:xfrm>
+            <a:off x="298843" y="4389039"/>
+            <a:ext cx="11893157" cy="920324"/>
+          </a:xfrm>
+          <a:prstGeom prst="rect">
+            <a:avLst/>
+          </a:prstGeom>
+        </p:spPr>
+      </p:pic>
+      <p:pic>
+        <p:nvPicPr>
+          <p:cNvPr id="19" name="图片 18">
+            <a:extLst>
+              <a:ext uri="{FF2B5EF4-FFF2-40B4-BE49-F238E27FC236}">
+                <a16:creationId xmlns:a16="http://schemas.microsoft.com/office/drawing/2014/main" id="{3EC8CAD5-88D0-4100-9E36-A3FBD347D7E1}"/>
+              </a:ext>
+            </a:extLst>
+          </p:cNvPr>
+          <p:cNvPicPr>
+            <a:picLocks noChangeAspect="1"/>
+          </p:cNvPicPr>
+          <p:nvPr/>
+        </p:nvPicPr>
+        <p:blipFill>
+          <a:blip r:embed="rId5">
+            <a:extLst>
+              <a:ext uri="{28A0092B-C50C-407E-A947-70E740481C1C}">
+                <a14:useLocalDpi xmlns:a14="http://schemas.microsoft.com/office/drawing/2010/main" val="0"/>
+              </a:ext>
+            </a:extLst>
+          </a:blip>
+          <a:stretch>
+            <a:fillRect/>
+          </a:stretch>
+        </p:blipFill>
+        <p:spPr>
+          <a:xfrm>
+            <a:off x="148842" y="3429000"/>
+            <a:ext cx="11893157" cy="920324"/>
+          </a:xfrm>
+          <a:prstGeom prst="rect">
+            <a:avLst/>
+          </a:prstGeom>
+        </p:spPr>
+      </p:pic>
+    </p:spTree>
+    <p:extLst>
+      <p:ext uri="{BB962C8B-B14F-4D97-AF65-F5344CB8AC3E}">
+        <p14:creationId xmlns:p14="http://schemas.microsoft.com/office/powerpoint/2010/main" val="346076608"/>
+      </p:ext>
+    </p:extLst>
+  </p:cSld>
+  <p:clrMapOvr>
+    <a:masterClrMapping/>
+  </p:clrMapOvr>
+</p:sld>
+</file>
+
+<file path=ppt/slides/slide14.xml><?xml version="1.0" encoding="utf-8"?>
+<p:sld xmlns:a="http://schemas.openxmlformats.org/drawingml/2006/main" xmlns:r="http://schemas.openxmlformats.org/officeDocument/2006/relationships" xmlns:p="http://schemas.openxmlformats.org/presentationml/2006/main">
+  <p:cSld>
+    <p:spTree>
+      <p:nvGrpSpPr>
+        <p:cNvPr id="1" name=""/>
+        <p:cNvGrpSpPr/>
+        <p:nvPr/>
+      </p:nvGrpSpPr>
+      <p:grpSpPr>
+        <a:xfrm>
+          <a:off x="0" y="0"/>
+          <a:ext cx="0" cy="0"/>
+          <a:chOff x="0" y="0"/>
+          <a:chExt cx="0" cy="0"/>
+        </a:xfrm>
+      </p:grpSpPr>
+      <p:sp>
+        <p:nvSpPr>
+          <p:cNvPr id="2" name="标题 1">
+            <a:extLst>
+              <a:ext uri="{FF2B5EF4-FFF2-40B4-BE49-F238E27FC236}">
+                <a16:creationId xmlns:a16="http://schemas.microsoft.com/office/drawing/2014/main" id="{22F0E53D-664A-4B4C-8A94-4CFE4DB1A476}"/>
+              </a:ext>
+            </a:extLst>
+          </p:cNvPr>
+          <p:cNvSpPr>
+            <a:spLocks noGrp="1"/>
+          </p:cNvSpPr>
+          <p:nvPr>
+            <p:ph type="title"/>
+          </p:nvPr>
+        </p:nvSpPr>
+        <p:spPr/>
+        <p:txBody>
+          <a:bodyPr/>
+          <a:lstStyle/>
+          <a:p>
+            <a:r>
+              <a:rPr lang="zh-CN" altLang="en-US" dirty="0"/>
+              <a:t>三种滤波器的比较</a:t>
+            </a:r>
+          </a:p>
+        </p:txBody>
+      </p:sp>
+      <p:sp>
+        <p:nvSpPr>
+          <p:cNvPr id="3" name="内容占位符 2">
+            <a:extLst>
+              <a:ext uri="{FF2B5EF4-FFF2-40B4-BE49-F238E27FC236}">
+                <a16:creationId xmlns:a16="http://schemas.microsoft.com/office/drawing/2014/main" id="{9E220E4B-FAA4-4DF4-B0EF-03C45AB39E36}"/>
+              </a:ext>
+            </a:extLst>
+          </p:cNvPr>
+          <p:cNvSpPr>
+            <a:spLocks noGrp="1"/>
+          </p:cNvSpPr>
+          <p:nvPr>
+            <p:ph idx="1"/>
+          </p:nvPr>
+        </p:nvSpPr>
+        <p:spPr/>
+        <p:txBody>
+          <a:bodyPr/>
+          <a:lstStyle/>
+          <a:p>
+            <a:r>
+              <a:rPr lang="zh-CN" altLang="en-US" b="0" i="0" dirty="0">
+                <a:solidFill>
+                  <a:srgbClr val="4D4D4D"/>
+                </a:solidFill>
+                <a:effectLst/>
+                <a:latin typeface="-apple-system"/>
+              </a:rPr>
+              <a:t>巴特沃斯滤波器是一种在通带和阻带都平坦的滤波器，通带率响应曲线最平坦，没有起伏，阻带频带则逐渐下降为零，下降慢，在过渡带上很容易造成失真。</a:t>
+            </a:r>
+            <a:endParaRPr lang="en-US" altLang="zh-CN" b="0" i="0" dirty="0">
+              <a:solidFill>
+                <a:srgbClr val="4D4D4D"/>
+              </a:solidFill>
+              <a:effectLst/>
+              <a:latin typeface="-apple-system"/>
+            </a:endParaRPr>
+          </a:p>
+          <a:p>
+            <a:r>
+              <a:rPr lang="zh-CN" altLang="en-US" b="0" i="0" dirty="0">
+                <a:solidFill>
+                  <a:srgbClr val="4D4D4D"/>
+                </a:solidFill>
+                <a:effectLst/>
+                <a:latin typeface="-apple-system"/>
+              </a:rPr>
+              <a:t>切比雪夫滤波器是在通带或阻带上频率响应幅度等波纹波动（通带平坦、阻带等波纹或是阻带平坦、通带等波纹）的滤波器，振幅特性在通带内是等波纹。</a:t>
+            </a:r>
+            <a:endParaRPr lang="en-US" altLang="zh-CN" b="0" i="0" dirty="0">
+              <a:solidFill>
+                <a:srgbClr val="4D4D4D"/>
+              </a:solidFill>
+              <a:effectLst/>
+              <a:latin typeface="-apple-system"/>
+            </a:endParaRPr>
+          </a:p>
+          <a:p>
+            <a:r>
+              <a:rPr lang="zh-CN" altLang="en-US" b="0" i="0" dirty="0">
+                <a:solidFill>
+                  <a:srgbClr val="4D4D4D"/>
+                </a:solidFill>
+                <a:effectLst/>
+                <a:latin typeface="-apple-system"/>
+              </a:rPr>
+              <a:t>贝赛尔</a:t>
+            </a:r>
+            <a:r>
+              <a:rPr lang="en-US" altLang="zh-CN" b="0" i="0" dirty="0">
+                <a:solidFill>
+                  <a:srgbClr val="4D4D4D"/>
+                </a:solidFill>
+                <a:effectLst/>
+                <a:latin typeface="-apple-system"/>
+              </a:rPr>
+              <a:t>(l)</a:t>
+            </a:r>
+            <a:r>
+              <a:rPr lang="zh-CN" altLang="en-US" b="0" i="0" dirty="0">
+                <a:solidFill>
+                  <a:srgbClr val="4D4D4D"/>
+                </a:solidFill>
+                <a:effectLst/>
+                <a:latin typeface="-apple-system"/>
+              </a:rPr>
+              <a:t>滤波器是具有最大平坦的群延迟（线性相位响应）的线性过滤器，即最平坦的幅度和相位响应，常用在音频天桥系统中。具有最平坦的幅度和相位响应。带通（通常为用户关注区域）的相位响应近乎呈线性。</a:t>
+            </a:r>
+            <a:endParaRPr lang="zh-CN" altLang="en-US" dirty="0"/>
+          </a:p>
+        </p:txBody>
+      </p:sp>
+    </p:spTree>
+    <p:extLst>
+      <p:ext uri="{BB962C8B-B14F-4D97-AF65-F5344CB8AC3E}">
+        <p14:creationId xmlns:p14="http://schemas.microsoft.com/office/powerpoint/2010/main" val="2266162756"/>
+      </p:ext>
+    </p:extLst>
+  </p:cSld>
+  <p:clrMapOvr>
+    <a:masterClrMapping/>
+  </p:clrMapOvr>
+</p:sld>
+</file>
+
+<file path=ppt/slides/slide15.xml><?xml version="1.0" encoding="utf-8"?>
+<p:sld xmlns:a="http://schemas.openxmlformats.org/drawingml/2006/main" xmlns:r="http://schemas.openxmlformats.org/officeDocument/2006/relationships" xmlns:p="http://schemas.openxmlformats.org/presentationml/2006/main">
+  <p:cSld>
+    <p:spTree>
+      <p:nvGrpSpPr>
+        <p:cNvPr id="1" name=""/>
+        <p:cNvGrpSpPr/>
+        <p:nvPr/>
+      </p:nvGrpSpPr>
+      <p:grpSpPr>
+        <a:xfrm>
+          <a:off x="0" y="0"/>
+          <a:ext cx="0" cy="0"/>
+          <a:chOff x="0" y="0"/>
+          <a:chExt cx="0" cy="0"/>
+        </a:xfrm>
+      </p:grpSpPr>
+      <p:sp>
+        <p:nvSpPr>
+          <p:cNvPr id="2" name="标题 1">
+            <a:extLst>
+              <a:ext uri="{FF2B5EF4-FFF2-40B4-BE49-F238E27FC236}">
+                <a16:creationId xmlns:a16="http://schemas.microsoft.com/office/drawing/2014/main" id="{AFBA4006-B4E6-4D90-B7EE-4A182BC2FBF5}"/>
+              </a:ext>
+            </a:extLst>
+          </p:cNvPr>
+          <p:cNvSpPr>
+            <a:spLocks noGrp="1"/>
+          </p:cNvSpPr>
+          <p:nvPr>
+            <p:ph type="title"/>
+          </p:nvPr>
+        </p:nvSpPr>
+        <p:spPr/>
+        <p:txBody>
+          <a:bodyPr/>
+          <a:lstStyle/>
+          <a:p>
+            <a:r>
+              <a:rPr lang="en-US" altLang="zh-CN" dirty="0"/>
+              <a:t>Team effort</a:t>
+            </a:r>
+            <a:endParaRPr lang="zh-CN" altLang="en-US" dirty="0"/>
+          </a:p>
+        </p:txBody>
+      </p:sp>
+      <p:sp>
+        <p:nvSpPr>
+          <p:cNvPr id="3" name="内容占位符 2">
+            <a:extLst>
+              <a:ext uri="{FF2B5EF4-FFF2-40B4-BE49-F238E27FC236}">
+                <a16:creationId xmlns:a16="http://schemas.microsoft.com/office/drawing/2014/main" id="{626FC59D-ADD6-4353-BC24-C2E61C0A4F6F}"/>
+              </a:ext>
+            </a:extLst>
+          </p:cNvPr>
+          <p:cNvSpPr>
+            <a:spLocks noGrp="1"/>
+          </p:cNvSpPr>
+          <p:nvPr>
+            <p:ph idx="1"/>
+          </p:nvPr>
+        </p:nvSpPr>
+        <p:spPr/>
+        <p:txBody>
+          <a:bodyPr/>
+          <a:lstStyle/>
+          <a:p>
+            <a:r>
+              <a:rPr lang="en-US" altLang="zh-CN" dirty="0"/>
+              <a:t>Both of us  do the whole project. And we check the others’ codes</a:t>
+            </a:r>
+          </a:p>
+          <a:p>
+            <a:endParaRPr lang="en-US" altLang="zh-CN" dirty="0"/>
+          </a:p>
+          <a:p>
+            <a:r>
+              <a:rPr lang="en-US" altLang="zh-CN" dirty="0"/>
+              <a:t>One of us makes the GUI </a:t>
+            </a:r>
+          </a:p>
+          <a:p>
+            <a:endParaRPr lang="en-US" altLang="zh-CN" dirty="0"/>
+          </a:p>
+          <a:p>
+            <a:r>
+              <a:rPr lang="en-US" altLang="zh-CN" dirty="0"/>
+              <a:t>The other compares these three types of filters.</a:t>
+            </a:r>
+            <a:endParaRPr lang="zh-CN" altLang="en-US" dirty="0"/>
+          </a:p>
+        </p:txBody>
+      </p:sp>
+    </p:spTree>
+    <p:extLst>
+      <p:ext uri="{BB962C8B-B14F-4D97-AF65-F5344CB8AC3E}">
+        <p14:creationId xmlns:p14="http://schemas.microsoft.com/office/powerpoint/2010/main" val="3404281043"/>
+      </p:ext>
+    </p:extLst>
+  </p:cSld>
+  <p:clrMapOvr>
+    <a:masterClrMapping/>
+  </p:clrMapOvr>
+</p:sld>
+</file>
+
 <file path=ppt/slides/slide2.xml><?xml version="1.0" encoding="utf-8"?>
 <p:sld xmlns:a="http://schemas.openxmlformats.org/drawingml/2006/main" xmlns:r="http://schemas.openxmlformats.org/officeDocument/2006/relationships" xmlns:p="http://schemas.openxmlformats.org/presentationml/2006/main">
   <p:cSld>
@@ -3765,42 +4514,6 @@
           </a:p>
         </p:txBody>
       </p:sp>
-      <p:pic>
-        <p:nvPicPr>
-          <p:cNvPr id="5" name="图片 4">
-            <a:extLst>
-              <a:ext uri="{FF2B5EF4-FFF2-40B4-BE49-F238E27FC236}">
-                <a16:creationId xmlns:a16="http://schemas.microsoft.com/office/drawing/2014/main" id="{81A8B95E-DB8A-49CD-9AE1-19BD8FC8A690}"/>
-              </a:ext>
-            </a:extLst>
-          </p:cNvPr>
-          <p:cNvPicPr>
-            <a:picLocks noChangeAspect="1"/>
-          </p:cNvPicPr>
-          <p:nvPr/>
-        </p:nvPicPr>
-        <p:blipFill>
-          <a:blip r:embed="rId2">
-            <a:extLst>
-              <a:ext uri="{28A0092B-C50C-407E-A947-70E740481C1C}">
-                <a14:useLocalDpi xmlns:a14="http://schemas.microsoft.com/office/drawing/2010/main" val="0"/>
-              </a:ext>
-            </a:extLst>
-          </a:blip>
-          <a:stretch>
-            <a:fillRect/>
-          </a:stretch>
-        </p:blipFill>
-        <p:spPr>
-          <a:xfrm>
-            <a:off x="1438039" y="3729344"/>
-            <a:ext cx="3066667" cy="2447619"/>
-          </a:xfrm>
-          <a:prstGeom prst="rect">
-            <a:avLst/>
-          </a:prstGeom>
-        </p:spPr>
-      </p:pic>
       <p:sp>
         <p:nvSpPr>
           <p:cNvPr id="6" name="文本框 5">
@@ -3849,6 +4562,42 @@
           </a:p>
         </p:txBody>
       </p:sp>
+      <p:pic>
+        <p:nvPicPr>
+          <p:cNvPr id="7" name="图片 6">
+            <a:extLst>
+              <a:ext uri="{FF2B5EF4-FFF2-40B4-BE49-F238E27FC236}">
+                <a16:creationId xmlns:a16="http://schemas.microsoft.com/office/drawing/2014/main" id="{97C03362-BB82-40EB-8B7A-0E629E80DF89}"/>
+              </a:ext>
+            </a:extLst>
+          </p:cNvPr>
+          <p:cNvPicPr>
+            <a:picLocks noChangeAspect="1"/>
+          </p:cNvPicPr>
+          <p:nvPr/>
+        </p:nvPicPr>
+        <p:blipFill>
+          <a:blip r:embed="rId2">
+            <a:extLst>
+              <a:ext uri="{28A0092B-C50C-407E-A947-70E740481C1C}">
+                <a14:useLocalDpi xmlns:a14="http://schemas.microsoft.com/office/drawing/2010/main" val="0"/>
+              </a:ext>
+            </a:extLst>
+          </a:blip>
+          <a:stretch>
+            <a:fillRect/>
+          </a:stretch>
+        </p:blipFill>
+        <p:spPr>
+          <a:xfrm>
+            <a:off x="893010" y="3588611"/>
+            <a:ext cx="3738367" cy="2990693"/>
+          </a:xfrm>
+          <a:prstGeom prst="rect">
+            <a:avLst/>
+          </a:prstGeom>
+        </p:spPr>
+      </p:pic>
     </p:spTree>
     <p:extLst>
       <p:ext uri="{BB962C8B-B14F-4D97-AF65-F5344CB8AC3E}">
@@ -3908,47 +4657,180 @@
           </a:p>
         </p:txBody>
       </p:sp>
-      <p:sp>
-        <p:nvSpPr>
-          <p:cNvPr id="3" name="内容占位符 2">
-            <a:extLst>
-              <a:ext uri="{FF2B5EF4-FFF2-40B4-BE49-F238E27FC236}">
-                <a16:creationId xmlns:a16="http://schemas.microsoft.com/office/drawing/2014/main" id="{ADCB4736-E3E8-4D0A-B643-26BE4B18C18E}"/>
-              </a:ext>
-            </a:extLst>
-          </p:cNvPr>
-          <p:cNvSpPr>
-            <a:spLocks noGrp="1"/>
-          </p:cNvSpPr>
+      <p:pic>
+        <p:nvPicPr>
+          <p:cNvPr id="7" name="内容占位符 6">
+            <a:extLst>
+              <a:ext uri="{FF2B5EF4-FFF2-40B4-BE49-F238E27FC236}">
+                <a16:creationId xmlns:a16="http://schemas.microsoft.com/office/drawing/2014/main" id="{D0CDDD3B-1207-43A0-A58D-CECD5E0E1514}"/>
+              </a:ext>
+            </a:extLst>
+          </p:cNvPr>
+          <p:cNvPicPr>
+            <a:picLocks noGrp="1" noChangeAspect="1"/>
+          </p:cNvPicPr>
           <p:nvPr>
             <p:ph idx="1"/>
           </p:nvPr>
-        </p:nvSpPr>
-        <p:spPr/>
-        <p:txBody>
-          <a:bodyPr/>
-          <a:lstStyle/>
-          <a:p>
-            <a:r>
-              <a:rPr lang="en-US" altLang="zh-CN" dirty="0"/>
-              <a:t>//</a:t>
-            </a:r>
-            <a:r>
-              <a:rPr lang="en-US" altLang="zh-CN" dirty="0">
-                <a:solidFill>
-                  <a:srgbClr val="00B0F0"/>
-                </a:solidFill>
-              </a:rPr>
-              <a:t>TODO</a:t>
-            </a:r>
-            <a:r>
-              <a:rPr lang="en-US" altLang="zh-CN" dirty="0"/>
-              <a:t> add something or delete this page</a:t>
-            </a:r>
-            <a:endParaRPr lang="zh-CN" altLang="en-US" dirty="0"/>
-          </a:p>
-        </p:txBody>
-      </p:sp>
+        </p:nvPicPr>
+        <p:blipFill>
+          <a:blip r:embed="rId2">
+            <a:extLst>
+              <a:ext uri="{28A0092B-C50C-407E-A947-70E740481C1C}">
+                <a14:useLocalDpi xmlns:a14="http://schemas.microsoft.com/office/drawing/2010/main" val="0"/>
+              </a:ext>
+            </a:extLst>
+          </a:blip>
+          <a:stretch>
+            <a:fillRect/>
+          </a:stretch>
+        </p:blipFill>
+        <p:spPr>
+          <a:xfrm>
+            <a:off x="838200" y="1476102"/>
+            <a:ext cx="5296639" cy="3905795"/>
+          </a:xfrm>
+        </p:spPr>
+      </p:pic>
+      <mc:AlternateContent xmlns:mc="http://schemas.openxmlformats.org/markup-compatibility/2006" xmlns:a14="http://schemas.microsoft.com/office/drawing/2010/main">
+        <mc:Choice Requires="a14">
+          <p:sp>
+            <p:nvSpPr>
+              <p:cNvPr id="12" name="文本框 11">
+                <a:extLst>
+                  <a:ext uri="{FF2B5EF4-FFF2-40B4-BE49-F238E27FC236}">
+                    <a16:creationId xmlns:a16="http://schemas.microsoft.com/office/drawing/2014/main" id="{F01E73FC-26B2-44CD-9AD9-30B238C88E82}"/>
+                  </a:ext>
+                </a:extLst>
+              </p:cNvPr>
+              <p:cNvSpPr txBox="1"/>
+              <p:nvPr/>
+            </p:nvSpPr>
+            <p:spPr>
+              <a:xfrm>
+                <a:off x="5486400" y="1690688"/>
+                <a:ext cx="5867400" cy="374270"/>
+              </a:xfrm>
+              <a:prstGeom prst="rect">
+                <a:avLst/>
+              </a:prstGeom>
+              <a:noFill/>
+            </p:spPr>
+            <p:txBody>
+              <a:bodyPr wrap="square">
+                <a:spAutoFit/>
+              </a:bodyPr>
+              <a:lstStyle/>
+              <a:p>
+                <a:pPr/>
+                <a14:m>
+                  <m:oMathPara xmlns:m="http://schemas.openxmlformats.org/officeDocument/2006/math">
+                    <m:oMathParaPr>
+                      <m:jc m:val="centerGroup"/>
+                    </m:oMathParaPr>
+                    <m:oMath xmlns:m="http://schemas.openxmlformats.org/officeDocument/2006/math">
+                      <m:r>
+                        <a:rPr lang="en-US" altLang="zh-CN" b="0" i="1" smtClean="0">
+                          <a:latin typeface="Cambria Math" panose="02040503050406030204" pitchFamily="18" charset="0"/>
+                        </a:rPr>
+                        <m:t>𝑓</m:t>
+                      </m:r>
+                      <m:r>
+                        <a:rPr lang="en-US" altLang="zh-CN" b="0" i="1" smtClean="0">
+                          <a:latin typeface="Cambria Math" panose="02040503050406030204" pitchFamily="18" charset="0"/>
+                        </a:rPr>
+                        <m:t>=165.4×(</m:t>
+                      </m:r>
+                      <m:sSup>
+                        <m:sSupPr>
+                          <m:ctrlPr>
+                            <a:rPr lang="en-US" altLang="zh-CN" b="0" i="1" smtClean="0">
+                              <a:latin typeface="Cambria Math" panose="02040503050406030204" pitchFamily="18" charset="0"/>
+                            </a:rPr>
+                          </m:ctrlPr>
+                        </m:sSupPr>
+                        <m:e>
+                          <m:r>
+                            <a:rPr lang="en-US" altLang="zh-CN" b="0" i="1" smtClean="0">
+                              <a:latin typeface="Cambria Math" panose="02040503050406030204" pitchFamily="18" charset="0"/>
+                            </a:rPr>
+                            <m:t>10</m:t>
+                          </m:r>
+                        </m:e>
+                        <m:sup>
+                          <m:r>
+                            <a:rPr lang="en-US" altLang="zh-CN" b="0" i="1" smtClean="0">
+                              <a:latin typeface="Cambria Math" panose="02040503050406030204" pitchFamily="18" charset="0"/>
+                            </a:rPr>
+                            <m:t>0.06</m:t>
+                          </m:r>
+                          <m:r>
+                            <a:rPr lang="en-US" altLang="zh-CN" b="0" i="1" smtClean="0">
+                              <a:latin typeface="Cambria Math" panose="02040503050406030204" pitchFamily="18" charset="0"/>
+                            </a:rPr>
+                            <m:t>𝑑</m:t>
+                          </m:r>
+                        </m:sup>
+                      </m:sSup>
+                      <m:r>
+                        <a:rPr lang="en-US" altLang="zh-CN" b="0" i="1" smtClean="0">
+                          <a:latin typeface="Cambria Math" panose="02040503050406030204" pitchFamily="18" charset="0"/>
+                        </a:rPr>
+                        <m:t>−1)</m:t>
+                      </m:r>
+                    </m:oMath>
+                  </m:oMathPara>
+                </a14:m>
+                <a:endParaRPr lang="zh-CN" altLang="en-US" dirty="0"/>
+              </a:p>
+            </p:txBody>
+          </p:sp>
+        </mc:Choice>
+        <mc:Fallback xmlns="">
+          <p:sp>
+            <p:nvSpPr>
+              <p:cNvPr id="12" name="文本框 11">
+                <a:extLst>
+                  <a:ext uri="{FF2B5EF4-FFF2-40B4-BE49-F238E27FC236}">
+                    <a16:creationId xmlns:a16="http://schemas.microsoft.com/office/drawing/2014/main" id="{F01E73FC-26B2-44CD-9AD9-30B238C88E82}"/>
+                  </a:ext>
+                </a:extLst>
+              </p:cNvPr>
+              <p:cNvSpPr txBox="1">
+                <a:spLocks noRot="1" noChangeAspect="1" noMove="1" noResize="1" noEditPoints="1" noAdjustHandles="1" noChangeArrowheads="1" noChangeShapeType="1" noTextEdit="1"/>
+              </p:cNvSpPr>
+              <p:nvPr/>
+            </p:nvSpPr>
+            <p:spPr>
+              <a:xfrm>
+                <a:off x="5486400" y="1690688"/>
+                <a:ext cx="5867400" cy="374270"/>
+              </a:xfrm>
+              <a:prstGeom prst="rect">
+                <a:avLst/>
+              </a:prstGeom>
+              <a:blipFill>
+                <a:blip r:embed="rId3"/>
+                <a:stretch>
+                  <a:fillRect b="-12903"/>
+                </a:stretch>
+              </a:blipFill>
+            </p:spPr>
+            <p:txBody>
+              <a:bodyPr/>
+              <a:lstStyle/>
+              <a:p>
+                <a:r>
+                  <a:rPr lang="zh-CN" altLang="en-US">
+                    <a:noFill/>
+                  </a:rPr>
+                  <a:t> </a:t>
+                </a:r>
+              </a:p>
+            </p:txBody>
+          </p:sp>
+        </mc:Fallback>
+      </mc:AlternateContent>
     </p:spTree>
     <p:extLst>
       <p:ext uri="{BB962C8B-B14F-4D97-AF65-F5344CB8AC3E}">
@@ -4075,7 +4957,7 @@
           <p:cNvPr id="2" name="标题 1">
             <a:extLst>
               <a:ext uri="{FF2B5EF4-FFF2-40B4-BE49-F238E27FC236}">
-                <a16:creationId xmlns:a16="http://schemas.microsoft.com/office/drawing/2014/main" id="{E24743ED-6AEA-472F-98B9-474534CA7130}"/>
+                <a16:creationId xmlns:a16="http://schemas.microsoft.com/office/drawing/2014/main" id="{0C958FCE-9F4D-4A34-8CEE-C3244AE1A7AC}"/>
               </a:ext>
             </a:extLst>
           </p:cNvPr>
@@ -4093,7 +4975,7 @@
           <a:p>
             <a:r>
               <a:rPr lang="en-US" altLang="zh-CN" dirty="0"/>
-              <a:t>Critical Thinking</a:t>
+              <a:t>Results</a:t>
             </a:r>
             <a:endParaRPr lang="zh-CN" altLang="en-US" dirty="0"/>
           </a:p>
@@ -4104,7 +4986,7 @@
           <p:cNvPr id="3" name="内容占位符 2">
             <a:extLst>
               <a:ext uri="{FF2B5EF4-FFF2-40B4-BE49-F238E27FC236}">
-                <a16:creationId xmlns:a16="http://schemas.microsoft.com/office/drawing/2014/main" id="{9DA0D737-56B2-4EDC-92B1-BEDB77F75CC2}"/>
+                <a16:creationId xmlns:a16="http://schemas.microsoft.com/office/drawing/2014/main" id="{1BDBC166-CB35-4435-8307-4E1F03CBD9C0}"/>
               </a:ext>
             </a:extLst>
           </p:cNvPr>
@@ -4120,10 +5002,6 @@
           <a:bodyPr/>
           <a:lstStyle/>
           <a:p>
-            <a:r>
-              <a:rPr lang="en-US" altLang="zh-CN" dirty="0"/>
-              <a:t>First we try to manually split up each sections for different Ns, but we found that to hard when N is relatively large. So we change the way of simulations and use a vectorized one, which really increase our productivity, and further more, gives us an interface which can be linked to the GUI. </a:t>
-            </a:r>
             <a:endParaRPr lang="zh-CN" altLang="en-US" dirty="0"/>
           </a:p>
         </p:txBody>
@@ -4131,7 +5009,7 @@
     </p:spTree>
     <p:extLst>
       <p:ext uri="{BB962C8B-B14F-4D97-AF65-F5344CB8AC3E}">
-        <p14:creationId xmlns:p14="http://schemas.microsoft.com/office/powerpoint/2010/main" val="663784730"/>
+        <p14:creationId xmlns:p14="http://schemas.microsoft.com/office/powerpoint/2010/main" val="1839322181"/>
       </p:ext>
     </p:extLst>
   </p:cSld>
@@ -4160,18 +5038,18 @@
       </p:grpSpPr>
       <p:sp>
         <p:nvSpPr>
-          <p:cNvPr id="2" name="标题 1">
-            <a:extLst>
-              <a:ext uri="{FF2B5EF4-FFF2-40B4-BE49-F238E27FC236}">
-                <a16:creationId xmlns:a16="http://schemas.microsoft.com/office/drawing/2014/main" id="{0C958FCE-9F4D-4A34-8CEE-C3244AE1A7AC}"/>
-              </a:ext>
-            </a:extLst>
-          </p:cNvPr>
-          <p:cNvSpPr>
-            <a:spLocks noGrp="1"/>
-          </p:cNvSpPr>
-          <p:nvPr>
-            <p:ph type="title"/>
+          <p:cNvPr id="3" name="内容占位符 2">
+            <a:extLst>
+              <a:ext uri="{FF2B5EF4-FFF2-40B4-BE49-F238E27FC236}">
+                <a16:creationId xmlns:a16="http://schemas.microsoft.com/office/drawing/2014/main" id="{F09FE328-A3BE-4D67-B491-F8DBD0037EBC}"/>
+              </a:ext>
+            </a:extLst>
+          </p:cNvPr>
+          <p:cNvSpPr>
+            <a:spLocks noGrp="1"/>
+          </p:cNvSpPr>
+          <p:nvPr>
+            <p:ph idx="1"/>
           </p:nvPr>
         </p:nvSpPr>
         <p:spPr/>
@@ -4181,63 +5059,769 @@
           <a:p>
             <a:r>
               <a:rPr lang="en-US" altLang="zh-CN" dirty="0"/>
-              <a:t>Results</a:t>
-            </a:r>
+              <a:t>Task1</a:t>
+            </a:r>
+          </a:p>
+          <a:p>
+            <a:r>
+              <a:rPr lang="en-US" altLang="zh-CN" dirty="0"/>
+              <a:t>N=1 </a:t>
+            </a:r>
+          </a:p>
+          <a:p>
+            <a:r>
+              <a:rPr lang="en-US" altLang="zh-CN" dirty="0"/>
+              <a:t>N=2</a:t>
+            </a:r>
+          </a:p>
+          <a:p>
+            <a:r>
+              <a:rPr lang="en-US" altLang="zh-CN" dirty="0"/>
+              <a:t>N=4</a:t>
+            </a:r>
+          </a:p>
+          <a:p>
+            <a:r>
+              <a:rPr lang="en-US" altLang="zh-CN" dirty="0"/>
+              <a:t>N=6</a:t>
+            </a:r>
+          </a:p>
+          <a:p>
+            <a:r>
+              <a:rPr lang="en-US" altLang="zh-CN" dirty="0"/>
+              <a:t>N=8</a:t>
+            </a:r>
+          </a:p>
+          <a:p>
+            <a:r>
+              <a:rPr lang="en-US" altLang="zh-CN" dirty="0"/>
+              <a:t>N=16</a:t>
+            </a:r>
+          </a:p>
+          <a:p>
             <a:endParaRPr lang="zh-CN" altLang="en-US" dirty="0"/>
           </a:p>
         </p:txBody>
       </p:sp>
-      <p:sp>
-        <p:nvSpPr>
-          <p:cNvPr id="3" name="内容占位符 2">
-            <a:extLst>
-              <a:ext uri="{FF2B5EF4-FFF2-40B4-BE49-F238E27FC236}">
-                <a16:creationId xmlns:a16="http://schemas.microsoft.com/office/drawing/2014/main" id="{1BDBC166-CB35-4435-8307-4E1F03CBD9C0}"/>
-              </a:ext>
-            </a:extLst>
-          </p:cNvPr>
-          <p:cNvSpPr>
-            <a:spLocks noGrp="1"/>
-          </p:cNvSpPr>
-          <p:nvPr>
-            <p:ph idx="1"/>
-          </p:nvPr>
-        </p:nvSpPr>
-        <p:spPr/>
-        <p:txBody>
-          <a:bodyPr/>
+      <p:pic>
+        <p:nvPicPr>
+          <p:cNvPr id="4" name="C_01_01">
+            <a:hlinkClick r:id="" action="ppaction://media"/>
+            <a:extLst>
+              <a:ext uri="{FF2B5EF4-FFF2-40B4-BE49-F238E27FC236}">
+                <a16:creationId xmlns:a16="http://schemas.microsoft.com/office/drawing/2014/main" id="{242592E7-DA39-4EED-B737-1D3DC8C33385}"/>
+              </a:ext>
+            </a:extLst>
+          </p:cNvPr>
+          <p:cNvPicPr>
+            <a:picLocks noChangeAspect="1"/>
+          </p:cNvPicPr>
+          <p:nvPr>
+            <a:audioFile r:link="rId2"/>
+            <p:extLst>
+              <p:ext uri="{DAA4B4D4-6D71-4841-9C94-3DE7FCFB9230}">
+                <p14:media xmlns:p14="http://schemas.microsoft.com/office/powerpoint/2010/main" r:embed="rId1"/>
+              </p:ext>
+            </p:extLst>
+          </p:nvPr>
+        </p:nvPicPr>
+        <p:blipFill>
+          <a:blip r:embed="rId16"/>
+          <a:stretch>
+            <a:fillRect/>
+          </a:stretch>
+        </p:blipFill>
+        <p:spPr>
+          <a:xfrm>
+            <a:off x="2225880" y="376237"/>
+            <a:ext cx="609600" cy="609600"/>
+          </a:xfrm>
+          <a:prstGeom prst="rect">
+            <a:avLst/>
+          </a:prstGeom>
+        </p:spPr>
+      </p:pic>
+      <p:sp>
+        <p:nvSpPr>
+          <p:cNvPr id="5" name="文本框 4">
+            <a:extLst>
+              <a:ext uri="{FF2B5EF4-FFF2-40B4-BE49-F238E27FC236}">
+                <a16:creationId xmlns:a16="http://schemas.microsoft.com/office/drawing/2014/main" id="{B95EA607-9B14-4488-BBF7-7E4DD98B7165}"/>
+              </a:ext>
+            </a:extLst>
+          </p:cNvPr>
+          <p:cNvSpPr txBox="1"/>
+          <p:nvPr/>
+        </p:nvSpPr>
+        <p:spPr>
+          <a:xfrm>
+            <a:off x="1040236" y="538440"/>
+            <a:ext cx="1795244" cy="369332"/>
+          </a:xfrm>
+          <a:prstGeom prst="rect">
+            <a:avLst/>
+          </a:prstGeom>
+          <a:noFill/>
+        </p:spPr>
+        <p:txBody>
+          <a:bodyPr wrap="square" rtlCol="0">
+            <a:spAutoFit/>
+          </a:bodyPr>
           <a:lstStyle/>
           <a:p>
             <a:r>
-              <a:rPr lang="en-US" altLang="zh-CN" dirty="0"/>
-              <a:t>//</a:t>
-            </a:r>
-            <a:r>
-              <a:rPr lang="en-US" altLang="zh-CN" dirty="0">
-                <a:solidFill>
-                  <a:srgbClr val="00B0F0"/>
-                </a:solidFill>
-              </a:rPr>
-              <a:t>TODO</a:t>
-            </a:r>
-            <a:r>
-              <a:rPr lang="en-US" altLang="zh-CN" dirty="0"/>
-              <a:t> add Outside links or something else</a:t>
-            </a:r>
-            <a:endParaRPr lang="zh-CN" altLang="en-US" dirty="0"/>
-          </a:p>
-        </p:txBody>
-      </p:sp>
+              <a:rPr lang="zh-CN" altLang="en-US" dirty="0"/>
+              <a:t>处理前</a:t>
+            </a:r>
+          </a:p>
+        </p:txBody>
+      </p:sp>
+      <p:pic>
+        <p:nvPicPr>
+          <p:cNvPr id="6" name="task_1_1">
+            <a:hlinkClick r:id="" action="ppaction://media"/>
+            <a:extLst>
+              <a:ext uri="{FF2B5EF4-FFF2-40B4-BE49-F238E27FC236}">
+                <a16:creationId xmlns:a16="http://schemas.microsoft.com/office/drawing/2014/main" id="{0DA74FC1-D7FB-42D2-BE90-3BAF3EB53E37}"/>
+              </a:ext>
+            </a:extLst>
+          </p:cNvPr>
+          <p:cNvPicPr>
+            <a:picLocks noChangeAspect="1"/>
+          </p:cNvPicPr>
+          <p:nvPr>
+            <a:audioFile r:link="rId4"/>
+            <p:extLst>
+              <p:ext uri="{DAA4B4D4-6D71-4841-9C94-3DE7FCFB9230}">
+                <p14:media xmlns:p14="http://schemas.microsoft.com/office/powerpoint/2010/main" r:embed="rId3"/>
+              </p:ext>
+            </p:extLst>
+          </p:nvPr>
+        </p:nvPicPr>
+        <p:blipFill>
+          <a:blip r:embed="rId16"/>
+          <a:stretch>
+            <a:fillRect/>
+          </a:stretch>
+        </p:blipFill>
+        <p:spPr>
+          <a:xfrm>
+            <a:off x="2530680" y="2204483"/>
+            <a:ext cx="609600" cy="609600"/>
+          </a:xfrm>
+          <a:prstGeom prst="rect">
+            <a:avLst/>
+          </a:prstGeom>
+        </p:spPr>
+      </p:pic>
+      <p:pic>
+        <p:nvPicPr>
+          <p:cNvPr id="7" name="task_1_2">
+            <a:hlinkClick r:id="" action="ppaction://media"/>
+            <a:extLst>
+              <a:ext uri="{FF2B5EF4-FFF2-40B4-BE49-F238E27FC236}">
+                <a16:creationId xmlns:a16="http://schemas.microsoft.com/office/drawing/2014/main" id="{46D874F2-0238-440B-B562-7D9277D0C887}"/>
+              </a:ext>
+            </a:extLst>
+          </p:cNvPr>
+          <p:cNvPicPr>
+            <a:picLocks noChangeAspect="1"/>
+          </p:cNvPicPr>
+          <p:nvPr>
+            <a:audioFile r:link="rId6"/>
+            <p:extLst>
+              <p:ext uri="{DAA4B4D4-6D71-4841-9C94-3DE7FCFB9230}">
+                <p14:media xmlns:p14="http://schemas.microsoft.com/office/powerpoint/2010/main" r:embed="rId5"/>
+              </p:ext>
+            </p:extLst>
+          </p:nvPr>
+        </p:nvPicPr>
+        <p:blipFill>
+          <a:blip r:embed="rId16"/>
+          <a:stretch>
+            <a:fillRect/>
+          </a:stretch>
+        </p:blipFill>
+        <p:spPr>
+          <a:xfrm>
+            <a:off x="2530680" y="2737606"/>
+            <a:ext cx="609600" cy="609600"/>
+          </a:xfrm>
+          <a:prstGeom prst="rect">
+            <a:avLst/>
+          </a:prstGeom>
+        </p:spPr>
+      </p:pic>
+      <p:pic>
+        <p:nvPicPr>
+          <p:cNvPr id="8" name="task_1_4">
+            <a:hlinkClick r:id="" action="ppaction://media"/>
+            <a:extLst>
+              <a:ext uri="{FF2B5EF4-FFF2-40B4-BE49-F238E27FC236}">
+                <a16:creationId xmlns:a16="http://schemas.microsoft.com/office/drawing/2014/main" id="{4CCA5FA2-C44B-4DAA-9F4A-140C66D6653C}"/>
+              </a:ext>
+            </a:extLst>
+          </p:cNvPr>
+          <p:cNvPicPr>
+            <a:picLocks noChangeAspect="1"/>
+          </p:cNvPicPr>
+          <p:nvPr>
+            <a:audioFile r:link="rId8"/>
+            <p:extLst>
+              <p:ext uri="{DAA4B4D4-6D71-4841-9C94-3DE7FCFB9230}">
+                <p14:media xmlns:p14="http://schemas.microsoft.com/office/powerpoint/2010/main" r:embed="rId7"/>
+              </p:ext>
+            </p:extLst>
+          </p:nvPr>
+        </p:nvPicPr>
+        <p:blipFill>
+          <a:blip r:embed="rId16"/>
+          <a:stretch>
+            <a:fillRect/>
+          </a:stretch>
+        </p:blipFill>
+        <p:spPr>
+          <a:xfrm>
+            <a:off x="2530680" y="3270729"/>
+            <a:ext cx="609600" cy="609600"/>
+          </a:xfrm>
+          <a:prstGeom prst="rect">
+            <a:avLst/>
+          </a:prstGeom>
+        </p:spPr>
+      </p:pic>
+      <p:pic>
+        <p:nvPicPr>
+          <p:cNvPr id="9" name="task_1_6">
+            <a:hlinkClick r:id="" action="ppaction://media"/>
+            <a:extLst>
+              <a:ext uri="{FF2B5EF4-FFF2-40B4-BE49-F238E27FC236}">
+                <a16:creationId xmlns:a16="http://schemas.microsoft.com/office/drawing/2014/main" id="{2AF863A0-3A6A-4FDB-9424-AFF043D34834}"/>
+              </a:ext>
+            </a:extLst>
+          </p:cNvPr>
+          <p:cNvPicPr>
+            <a:picLocks noChangeAspect="1"/>
+          </p:cNvPicPr>
+          <p:nvPr>
+            <a:audioFile r:link="rId10"/>
+            <p:extLst>
+              <p:ext uri="{DAA4B4D4-6D71-4841-9C94-3DE7FCFB9230}">
+                <p14:media xmlns:p14="http://schemas.microsoft.com/office/powerpoint/2010/main" r:embed="rId9"/>
+              </p:ext>
+            </p:extLst>
+          </p:nvPr>
+        </p:nvPicPr>
+        <p:blipFill>
+          <a:blip r:embed="rId16"/>
+          <a:stretch>
+            <a:fillRect/>
+          </a:stretch>
+        </p:blipFill>
+        <p:spPr>
+          <a:xfrm>
+            <a:off x="2530680" y="3731936"/>
+            <a:ext cx="609600" cy="609600"/>
+          </a:xfrm>
+          <a:prstGeom prst="rect">
+            <a:avLst/>
+          </a:prstGeom>
+        </p:spPr>
+      </p:pic>
+      <p:pic>
+        <p:nvPicPr>
+          <p:cNvPr id="10" name="task_1_8">
+            <a:hlinkClick r:id="" action="ppaction://media"/>
+            <a:extLst>
+              <a:ext uri="{FF2B5EF4-FFF2-40B4-BE49-F238E27FC236}">
+                <a16:creationId xmlns:a16="http://schemas.microsoft.com/office/drawing/2014/main" id="{CC65431D-4F9D-46FF-8DF0-3C3C43AF6B0D}"/>
+              </a:ext>
+            </a:extLst>
+          </p:cNvPr>
+          <p:cNvPicPr>
+            <a:picLocks noChangeAspect="1"/>
+          </p:cNvPicPr>
+          <p:nvPr>
+            <a:audioFile r:link="rId12"/>
+            <p:extLst>
+              <p:ext uri="{DAA4B4D4-6D71-4841-9C94-3DE7FCFB9230}">
+                <p14:media xmlns:p14="http://schemas.microsoft.com/office/powerpoint/2010/main" r:embed="rId11"/>
+              </p:ext>
+            </p:extLst>
+          </p:nvPr>
+        </p:nvPicPr>
+        <p:blipFill>
+          <a:blip r:embed="rId16"/>
+          <a:stretch>
+            <a:fillRect/>
+          </a:stretch>
+        </p:blipFill>
+        <p:spPr>
+          <a:xfrm>
+            <a:off x="2559460" y="4252763"/>
+            <a:ext cx="609600" cy="609600"/>
+          </a:xfrm>
+          <a:prstGeom prst="rect">
+            <a:avLst/>
+          </a:prstGeom>
+        </p:spPr>
+      </p:pic>
+      <p:pic>
+        <p:nvPicPr>
+          <p:cNvPr id="11" name="task_1_16">
+            <a:hlinkClick r:id="" action="ppaction://media"/>
+            <a:extLst>
+              <a:ext uri="{FF2B5EF4-FFF2-40B4-BE49-F238E27FC236}">
+                <a16:creationId xmlns:a16="http://schemas.microsoft.com/office/drawing/2014/main" id="{F0D10F59-7B91-43AF-B22C-3376EA276C04}"/>
+              </a:ext>
+            </a:extLst>
+          </p:cNvPr>
+          <p:cNvPicPr>
+            <a:picLocks noChangeAspect="1"/>
+          </p:cNvPicPr>
+          <p:nvPr>
+            <a:audioFile r:link="rId14"/>
+            <p:extLst>
+              <p:ext uri="{DAA4B4D4-6D71-4841-9C94-3DE7FCFB9230}">
+                <p14:media xmlns:p14="http://schemas.microsoft.com/office/powerpoint/2010/main" r:embed="rId13"/>
+              </p:ext>
+            </p:extLst>
+          </p:nvPr>
+        </p:nvPicPr>
+        <p:blipFill>
+          <a:blip r:embed="rId16"/>
+          <a:stretch>
+            <a:fillRect/>
+          </a:stretch>
+        </p:blipFill>
+        <p:spPr>
+          <a:xfrm>
+            <a:off x="2559460" y="4836814"/>
+            <a:ext cx="609600" cy="609600"/>
+          </a:xfrm>
+          <a:prstGeom prst="rect">
+            <a:avLst/>
+          </a:prstGeom>
+        </p:spPr>
+      </p:pic>
     </p:spTree>
     <p:extLst>
       <p:ext uri="{BB962C8B-B14F-4D97-AF65-F5344CB8AC3E}">
-        <p14:creationId xmlns:p14="http://schemas.microsoft.com/office/powerpoint/2010/main" val="1839322181"/>
+        <p14:creationId xmlns:p14="http://schemas.microsoft.com/office/powerpoint/2010/main" val="2336886857"/>
       </p:ext>
     </p:extLst>
   </p:cSld>
   <p:clrMapOvr>
     <a:masterClrMapping/>
   </p:clrMapOvr>
+  <p:timing>
+    <p:tnLst>
+      <p:par>
+        <p:cTn id="1" dur="indefinite" restart="never" nodeType="tmRoot">
+          <p:childTnLst>
+            <p:seq concurrent="1" nextAc="seek">
+              <p:cTn id="2" dur="indefinite" nodeType="mainSeq">
+                <p:childTnLst>
+                  <p:par>
+                    <p:cTn id="3" fill="hold">
+                      <p:stCondLst>
+                        <p:cond delay="indefinite"/>
+                      </p:stCondLst>
+                      <p:childTnLst>
+                        <p:par>
+                          <p:cTn id="4" fill="hold">
+                            <p:stCondLst>
+                              <p:cond delay="0"/>
+                            </p:stCondLst>
+                            <p:childTnLst>
+                              <p:par>
+                                <p:cTn id="5" presetID="1" presetClass="mediacall" presetSubtype="0" fill="hold" nodeType="clickEffect">
+                                  <p:stCondLst>
+                                    <p:cond delay="0"/>
+                                  </p:stCondLst>
+                                  <p:childTnLst>
+                                    <p:cmd type="call" cmd="playFrom(0.0)">
+                                      <p:cBhvr>
+                                        <p:cTn id="6" dur="3263" fill="hold"/>
+                                        <p:tgtEl>
+                                          <p:spTgt spid="4"/>
+                                        </p:tgtEl>
+                                      </p:cBhvr>
+                                    </p:cmd>
+                                  </p:childTnLst>
+                                </p:cTn>
+                              </p:par>
+                            </p:childTnLst>
+                          </p:cTn>
+                        </p:par>
+                      </p:childTnLst>
+                    </p:cTn>
+                  </p:par>
+                  <p:par>
+                    <p:cTn id="7" fill="hold">
+                      <p:stCondLst>
+                        <p:cond delay="indefinite"/>
+                      </p:stCondLst>
+                      <p:childTnLst>
+                        <p:par>
+                          <p:cTn id="8" fill="hold">
+                            <p:stCondLst>
+                              <p:cond delay="0"/>
+                            </p:stCondLst>
+                            <p:childTnLst>
+                              <p:par>
+                                <p:cTn id="9" presetID="1" presetClass="mediacall" presetSubtype="0" fill="hold" nodeType="clickEffect">
+                                  <p:stCondLst>
+                                    <p:cond delay="0"/>
+                                  </p:stCondLst>
+                                  <p:childTnLst>
+                                    <p:cmd type="call" cmd="playFrom(0.0)">
+                                      <p:cBhvr>
+                                        <p:cTn id="10" dur="3263" fill="hold"/>
+                                        <p:tgtEl>
+                                          <p:spTgt spid="6"/>
+                                        </p:tgtEl>
+                                      </p:cBhvr>
+                                    </p:cmd>
+                                  </p:childTnLst>
+                                </p:cTn>
+                              </p:par>
+                            </p:childTnLst>
+                          </p:cTn>
+                        </p:par>
+                      </p:childTnLst>
+                    </p:cTn>
+                  </p:par>
+                  <p:par>
+                    <p:cTn id="11" fill="hold">
+                      <p:stCondLst>
+                        <p:cond delay="indefinite"/>
+                      </p:stCondLst>
+                      <p:childTnLst>
+                        <p:par>
+                          <p:cTn id="12" fill="hold">
+                            <p:stCondLst>
+                              <p:cond delay="0"/>
+                            </p:stCondLst>
+                            <p:childTnLst>
+                              <p:par>
+                                <p:cTn id="13" presetID="1" presetClass="mediacall" presetSubtype="0" fill="hold" nodeType="clickEffect">
+                                  <p:stCondLst>
+                                    <p:cond delay="0"/>
+                                  </p:stCondLst>
+                                  <p:childTnLst>
+                                    <p:cmd type="call" cmd="playFrom(0.0)">
+                                      <p:cBhvr>
+                                        <p:cTn id="14" dur="3263" fill="hold"/>
+                                        <p:tgtEl>
+                                          <p:spTgt spid="7"/>
+                                        </p:tgtEl>
+                                      </p:cBhvr>
+                                    </p:cmd>
+                                  </p:childTnLst>
+                                </p:cTn>
+                              </p:par>
+                            </p:childTnLst>
+                          </p:cTn>
+                        </p:par>
+                      </p:childTnLst>
+                    </p:cTn>
+                  </p:par>
+                  <p:par>
+                    <p:cTn id="15" fill="hold">
+                      <p:stCondLst>
+                        <p:cond delay="indefinite"/>
+                      </p:stCondLst>
+                      <p:childTnLst>
+                        <p:par>
+                          <p:cTn id="16" fill="hold">
+                            <p:stCondLst>
+                              <p:cond delay="0"/>
+                            </p:stCondLst>
+                            <p:childTnLst>
+                              <p:par>
+                                <p:cTn id="17" presetID="1" presetClass="mediacall" presetSubtype="0" fill="hold" nodeType="clickEffect">
+                                  <p:stCondLst>
+                                    <p:cond delay="0"/>
+                                  </p:stCondLst>
+                                  <p:childTnLst>
+                                    <p:cmd type="call" cmd="playFrom(0.0)">
+                                      <p:cBhvr>
+                                        <p:cTn id="18" dur="3263" fill="hold"/>
+                                        <p:tgtEl>
+                                          <p:spTgt spid="8"/>
+                                        </p:tgtEl>
+                                      </p:cBhvr>
+                                    </p:cmd>
+                                  </p:childTnLst>
+                                </p:cTn>
+                              </p:par>
+                            </p:childTnLst>
+                          </p:cTn>
+                        </p:par>
+                      </p:childTnLst>
+                    </p:cTn>
+                  </p:par>
+                  <p:par>
+                    <p:cTn id="19" fill="hold">
+                      <p:stCondLst>
+                        <p:cond delay="indefinite"/>
+                      </p:stCondLst>
+                      <p:childTnLst>
+                        <p:par>
+                          <p:cTn id="20" fill="hold">
+                            <p:stCondLst>
+                              <p:cond delay="0"/>
+                            </p:stCondLst>
+                            <p:childTnLst>
+                              <p:par>
+                                <p:cTn id="21" presetID="1" presetClass="mediacall" presetSubtype="0" fill="hold" nodeType="clickEffect">
+                                  <p:stCondLst>
+                                    <p:cond delay="0"/>
+                                  </p:stCondLst>
+                                  <p:childTnLst>
+                                    <p:cmd type="call" cmd="playFrom(0.0)">
+                                      <p:cBhvr>
+                                        <p:cTn id="22" dur="3263" fill="hold"/>
+                                        <p:tgtEl>
+                                          <p:spTgt spid="9"/>
+                                        </p:tgtEl>
+                                      </p:cBhvr>
+                                    </p:cmd>
+                                  </p:childTnLst>
+                                </p:cTn>
+                              </p:par>
+                            </p:childTnLst>
+                          </p:cTn>
+                        </p:par>
+                      </p:childTnLst>
+                    </p:cTn>
+                  </p:par>
+                  <p:par>
+                    <p:cTn id="23" fill="hold">
+                      <p:stCondLst>
+                        <p:cond delay="indefinite"/>
+                      </p:stCondLst>
+                      <p:childTnLst>
+                        <p:par>
+                          <p:cTn id="24" fill="hold">
+                            <p:stCondLst>
+                              <p:cond delay="0"/>
+                            </p:stCondLst>
+                            <p:childTnLst>
+                              <p:par>
+                                <p:cTn id="25" presetID="1" presetClass="mediacall" presetSubtype="0" fill="hold" nodeType="clickEffect">
+                                  <p:stCondLst>
+                                    <p:cond delay="0"/>
+                                  </p:stCondLst>
+                                  <p:childTnLst>
+                                    <p:cmd type="call" cmd="playFrom(0.0)">
+                                      <p:cBhvr>
+                                        <p:cTn id="26" dur="3263" fill="hold"/>
+                                        <p:tgtEl>
+                                          <p:spTgt spid="10"/>
+                                        </p:tgtEl>
+                                      </p:cBhvr>
+                                    </p:cmd>
+                                  </p:childTnLst>
+                                </p:cTn>
+                              </p:par>
+                            </p:childTnLst>
+                          </p:cTn>
+                        </p:par>
+                      </p:childTnLst>
+                    </p:cTn>
+                  </p:par>
+                  <p:par>
+                    <p:cTn id="27" fill="hold">
+                      <p:stCondLst>
+                        <p:cond delay="indefinite"/>
+                      </p:stCondLst>
+                      <p:childTnLst>
+                        <p:par>
+                          <p:cTn id="28" fill="hold">
+                            <p:stCondLst>
+                              <p:cond delay="0"/>
+                            </p:stCondLst>
+                            <p:childTnLst>
+                              <p:par>
+                                <p:cTn id="29" presetID="1" presetClass="mediacall" presetSubtype="0" fill="hold" nodeType="clickEffect">
+                                  <p:stCondLst>
+                                    <p:cond delay="0"/>
+                                  </p:stCondLst>
+                                  <p:childTnLst>
+                                    <p:cmd type="call" cmd="playFrom(0.0)">
+                                      <p:cBhvr>
+                                        <p:cTn id="30" dur="3263" fill="hold"/>
+                                        <p:tgtEl>
+                                          <p:spTgt spid="11"/>
+                                        </p:tgtEl>
+                                      </p:cBhvr>
+                                    </p:cmd>
+                                  </p:childTnLst>
+                                </p:cTn>
+                              </p:par>
+                            </p:childTnLst>
+                          </p:cTn>
+                        </p:par>
+                      </p:childTnLst>
+                    </p:cTn>
+                  </p:par>
+                </p:childTnLst>
+              </p:cTn>
+              <p:prevCondLst>
+                <p:cond evt="onPrev" delay="0">
+                  <p:tgtEl>
+                    <p:sldTgt/>
+                  </p:tgtEl>
+                </p:cond>
+              </p:prevCondLst>
+              <p:nextCondLst>
+                <p:cond evt="onNext" delay="0">
+                  <p:tgtEl>
+                    <p:sldTgt/>
+                  </p:tgtEl>
+                </p:cond>
+              </p:nextCondLst>
+            </p:seq>
+            <p:audio>
+              <p:cMediaNode vol="80000">
+                <p:cTn id="31" fill="hold" display="0">
+                  <p:stCondLst>
+                    <p:cond delay="indefinite"/>
+                  </p:stCondLst>
+                  <p:endCondLst>
+                    <p:cond evt="onStopAudio" delay="0">
+                      <p:tgtEl>
+                        <p:sldTgt/>
+                      </p:tgtEl>
+                    </p:cond>
+                  </p:endCondLst>
+                </p:cTn>
+                <p:tgtEl>
+                  <p:spTgt spid="4"/>
+                </p:tgtEl>
+              </p:cMediaNode>
+            </p:audio>
+            <p:audio>
+              <p:cMediaNode vol="80000">
+                <p:cTn id="32" fill="hold" display="0">
+                  <p:stCondLst>
+                    <p:cond delay="indefinite"/>
+                  </p:stCondLst>
+                  <p:endCondLst>
+                    <p:cond evt="onStopAudio" delay="0">
+                      <p:tgtEl>
+                        <p:sldTgt/>
+                      </p:tgtEl>
+                    </p:cond>
+                  </p:endCondLst>
+                </p:cTn>
+                <p:tgtEl>
+                  <p:spTgt spid="6"/>
+                </p:tgtEl>
+              </p:cMediaNode>
+            </p:audio>
+            <p:audio>
+              <p:cMediaNode vol="80000">
+                <p:cTn id="33" fill="hold" display="0">
+                  <p:stCondLst>
+                    <p:cond delay="indefinite"/>
+                  </p:stCondLst>
+                  <p:endCondLst>
+                    <p:cond evt="onStopAudio" delay="0">
+                      <p:tgtEl>
+                        <p:sldTgt/>
+                      </p:tgtEl>
+                    </p:cond>
+                  </p:endCondLst>
+                </p:cTn>
+                <p:tgtEl>
+                  <p:spTgt spid="7"/>
+                </p:tgtEl>
+              </p:cMediaNode>
+            </p:audio>
+            <p:audio>
+              <p:cMediaNode vol="80000">
+                <p:cTn id="34" fill="hold" display="0">
+                  <p:stCondLst>
+                    <p:cond delay="indefinite"/>
+                  </p:stCondLst>
+                  <p:endCondLst>
+                    <p:cond evt="onStopAudio" delay="0">
+                      <p:tgtEl>
+                        <p:sldTgt/>
+                      </p:tgtEl>
+                    </p:cond>
+                  </p:endCondLst>
+                </p:cTn>
+                <p:tgtEl>
+                  <p:spTgt spid="8"/>
+                </p:tgtEl>
+              </p:cMediaNode>
+            </p:audio>
+            <p:audio>
+              <p:cMediaNode vol="80000">
+                <p:cTn id="35" fill="hold" display="0">
+                  <p:stCondLst>
+                    <p:cond delay="indefinite"/>
+                  </p:stCondLst>
+                  <p:endCondLst>
+                    <p:cond evt="onStopAudio" delay="0">
+                      <p:tgtEl>
+                        <p:sldTgt/>
+                      </p:tgtEl>
+                    </p:cond>
+                  </p:endCondLst>
+                </p:cTn>
+                <p:tgtEl>
+                  <p:spTgt spid="9"/>
+                </p:tgtEl>
+              </p:cMediaNode>
+            </p:audio>
+            <p:audio>
+              <p:cMediaNode vol="80000">
+                <p:cTn id="36" fill="hold" display="0">
+                  <p:stCondLst>
+                    <p:cond delay="indefinite"/>
+                  </p:stCondLst>
+                  <p:endCondLst>
+                    <p:cond evt="onStopAudio" delay="0">
+                      <p:tgtEl>
+                        <p:sldTgt/>
+                      </p:tgtEl>
+                    </p:cond>
+                  </p:endCondLst>
+                </p:cTn>
+                <p:tgtEl>
+                  <p:spTgt spid="10"/>
+                </p:tgtEl>
+              </p:cMediaNode>
+            </p:audio>
+            <p:audio>
+              <p:cMediaNode vol="80000">
+                <p:cTn id="37" fill="hold" display="0">
+                  <p:stCondLst>
+                    <p:cond delay="indefinite"/>
+                  </p:stCondLst>
+                  <p:endCondLst>
+                    <p:cond evt="onStopAudio" delay="0">
+                      <p:tgtEl>
+                        <p:sldTgt/>
+                      </p:tgtEl>
+                    </p:cond>
+                  </p:endCondLst>
+                </p:cTn>
+                <p:tgtEl>
+                  <p:spTgt spid="11"/>
+                </p:tgtEl>
+              </p:cMediaNode>
+            </p:audio>
+          </p:childTnLst>
+        </p:cTn>
+      </p:par>
+    </p:tnLst>
+  </p:timing>
 </p:sld>
 </file>
 
@@ -4263,7 +5847,7 @@
           <p:cNvPr id="2" name="标题 1">
             <a:extLst>
               <a:ext uri="{FF2B5EF4-FFF2-40B4-BE49-F238E27FC236}">
-                <a16:creationId xmlns:a16="http://schemas.microsoft.com/office/drawing/2014/main" id="{AFBA4006-B4E6-4D90-B7EE-4A182BC2FBF5}"/>
+                <a16:creationId xmlns:a16="http://schemas.microsoft.com/office/drawing/2014/main" id="{778B1F5E-DFF0-4B52-B6A1-4D80EC60573B}"/>
               </a:ext>
             </a:extLst>
           </p:cNvPr>
@@ -4279,11 +5863,7 @@
           <a:bodyPr/>
           <a:lstStyle/>
           <a:p>
-            <a:r>
-              <a:rPr lang="en-US" altLang="zh-CN" dirty="0"/>
-              <a:t>Team effort</a:t>
-            </a:r>
-            <a:endParaRPr lang="zh-CN" altLang="en-US" dirty="0"/>
+            <a:endParaRPr lang="zh-CN" altLang="en-US"/>
           </a:p>
         </p:txBody>
       </p:sp>
@@ -4292,7 +5872,7 @@
           <p:cNvPr id="3" name="内容占位符 2">
             <a:extLst>
               <a:ext uri="{FF2B5EF4-FFF2-40B4-BE49-F238E27FC236}">
-                <a16:creationId xmlns:a16="http://schemas.microsoft.com/office/drawing/2014/main" id="{626FC59D-ADD6-4353-BC24-C2E61C0A4F6F}"/>
+                <a16:creationId xmlns:a16="http://schemas.microsoft.com/office/drawing/2014/main" id="{E45DF7F0-46C9-4306-8D87-133D0FD2E531}"/>
               </a:ext>
             </a:extLst>
           </p:cNvPr>
@@ -4310,34 +5890,1557 @@
           <a:p>
             <a:r>
               <a:rPr lang="en-US" altLang="zh-CN" dirty="0"/>
-              <a:t>//</a:t>
-            </a:r>
-            <a:r>
-              <a:rPr lang="en-US" altLang="zh-CN" dirty="0">
-                <a:solidFill>
-                  <a:srgbClr val="00B0F0"/>
-                </a:solidFill>
-              </a:rPr>
-              <a:t>TODO</a:t>
-            </a:r>
+              <a:t>Task2</a:t>
+            </a:r>
+          </a:p>
+          <a:p>
             <a:r>
               <a:rPr lang="en-US" altLang="zh-CN" dirty="0"/>
-              <a:t> finish this</a:t>
-            </a:r>
-            <a:endParaRPr lang="zh-CN" altLang="en-US" dirty="0"/>
-          </a:p>
-        </p:txBody>
-      </p:sp>
+              <a:t>f=20Hz</a:t>
+            </a:r>
+          </a:p>
+          <a:p>
+            <a:r>
+              <a:rPr lang="en-US" altLang="zh-CN" dirty="0"/>
+              <a:t>f=50Hz</a:t>
+            </a:r>
+          </a:p>
+          <a:p>
+            <a:r>
+              <a:rPr lang="en-US" altLang="zh-CN" dirty="0"/>
+              <a:t>f=100Hz</a:t>
+            </a:r>
+          </a:p>
+          <a:p>
+            <a:r>
+              <a:rPr lang="en-US" altLang="zh-CN" dirty="0"/>
+              <a:t>f=400Hz</a:t>
+            </a:r>
+          </a:p>
+        </p:txBody>
+      </p:sp>
+      <p:pic>
+        <p:nvPicPr>
+          <p:cNvPr id="4" name="task_2_20">
+            <a:hlinkClick r:id="" action="ppaction://media"/>
+            <a:extLst>
+              <a:ext uri="{FF2B5EF4-FFF2-40B4-BE49-F238E27FC236}">
+                <a16:creationId xmlns:a16="http://schemas.microsoft.com/office/drawing/2014/main" id="{A836476E-1393-4099-A42D-79F0A8C74F79}"/>
+              </a:ext>
+            </a:extLst>
+          </p:cNvPr>
+          <p:cNvPicPr>
+            <a:picLocks noChangeAspect="1"/>
+          </p:cNvPicPr>
+          <p:nvPr>
+            <a:audioFile r:link="rId2"/>
+            <p:extLst>
+              <p:ext uri="{DAA4B4D4-6D71-4841-9C94-3DE7FCFB9230}">
+                <p14:media xmlns:p14="http://schemas.microsoft.com/office/powerpoint/2010/main" r:embed="rId1"/>
+              </p:ext>
+            </p:extLst>
+          </p:nvPr>
+        </p:nvPicPr>
+        <p:blipFill>
+          <a:blip r:embed="rId10"/>
+          <a:stretch>
+            <a:fillRect/>
+          </a:stretch>
+        </p:blipFill>
+        <p:spPr>
+          <a:xfrm>
+            <a:off x="2569828" y="2285301"/>
+            <a:ext cx="609600" cy="609600"/>
+          </a:xfrm>
+          <a:prstGeom prst="rect">
+            <a:avLst/>
+          </a:prstGeom>
+        </p:spPr>
+      </p:pic>
+      <p:pic>
+        <p:nvPicPr>
+          <p:cNvPr id="5" name="task_2_50">
+            <a:hlinkClick r:id="" action="ppaction://media"/>
+            <a:extLst>
+              <a:ext uri="{FF2B5EF4-FFF2-40B4-BE49-F238E27FC236}">
+                <a16:creationId xmlns:a16="http://schemas.microsoft.com/office/drawing/2014/main" id="{90B1E593-90AC-47B0-9535-E515D9FFB3AC}"/>
+              </a:ext>
+            </a:extLst>
+          </p:cNvPr>
+          <p:cNvPicPr>
+            <a:picLocks noChangeAspect="1"/>
+          </p:cNvPicPr>
+          <p:nvPr>
+            <a:audioFile r:link="rId4"/>
+            <p:extLst>
+              <p:ext uri="{DAA4B4D4-6D71-4841-9C94-3DE7FCFB9230}">
+                <p14:media xmlns:p14="http://schemas.microsoft.com/office/powerpoint/2010/main" r:embed="rId3"/>
+              </p:ext>
+            </p:extLst>
+          </p:nvPr>
+        </p:nvPicPr>
+        <p:blipFill>
+          <a:blip r:embed="rId10"/>
+          <a:stretch>
+            <a:fillRect/>
+          </a:stretch>
+        </p:blipFill>
+        <p:spPr>
+          <a:xfrm>
+            <a:off x="2569828" y="2751269"/>
+            <a:ext cx="609600" cy="609600"/>
+          </a:xfrm>
+          <a:prstGeom prst="rect">
+            <a:avLst/>
+          </a:prstGeom>
+        </p:spPr>
+      </p:pic>
+      <p:pic>
+        <p:nvPicPr>
+          <p:cNvPr id="6" name="task_2_100">
+            <a:hlinkClick r:id="" action="ppaction://media"/>
+            <a:extLst>
+              <a:ext uri="{FF2B5EF4-FFF2-40B4-BE49-F238E27FC236}">
+                <a16:creationId xmlns:a16="http://schemas.microsoft.com/office/drawing/2014/main" id="{99188A6E-488B-4874-82A9-AD0B3DA9B4E6}"/>
+              </a:ext>
+            </a:extLst>
+          </p:cNvPr>
+          <p:cNvPicPr>
+            <a:picLocks noChangeAspect="1"/>
+          </p:cNvPicPr>
+          <p:nvPr>
+            <a:audioFile r:link="rId6"/>
+            <p:extLst>
+              <p:ext uri="{DAA4B4D4-6D71-4841-9C94-3DE7FCFB9230}">
+                <p14:media xmlns:p14="http://schemas.microsoft.com/office/powerpoint/2010/main" r:embed="rId5"/>
+              </p:ext>
+            </p:extLst>
+          </p:nvPr>
+        </p:nvPicPr>
+        <p:blipFill>
+          <a:blip r:embed="rId10"/>
+          <a:stretch>
+            <a:fillRect/>
+          </a:stretch>
+        </p:blipFill>
+        <p:spPr>
+          <a:xfrm>
+            <a:off x="2569828" y="3350384"/>
+            <a:ext cx="609600" cy="609600"/>
+          </a:xfrm>
+          <a:prstGeom prst="rect">
+            <a:avLst/>
+          </a:prstGeom>
+        </p:spPr>
+      </p:pic>
+      <p:pic>
+        <p:nvPicPr>
+          <p:cNvPr id="7" name="task_2_400">
+            <a:hlinkClick r:id="" action="ppaction://media"/>
+            <a:extLst>
+              <a:ext uri="{FF2B5EF4-FFF2-40B4-BE49-F238E27FC236}">
+                <a16:creationId xmlns:a16="http://schemas.microsoft.com/office/drawing/2014/main" id="{15BBF4BA-5857-4C95-8A25-D11D90E70CBF}"/>
+              </a:ext>
+            </a:extLst>
+          </p:cNvPr>
+          <p:cNvPicPr>
+            <a:picLocks noChangeAspect="1"/>
+          </p:cNvPicPr>
+          <p:nvPr>
+            <a:audioFile r:link="rId8"/>
+            <p:extLst>
+              <p:ext uri="{DAA4B4D4-6D71-4841-9C94-3DE7FCFB9230}">
+                <p14:media xmlns:p14="http://schemas.microsoft.com/office/powerpoint/2010/main" r:embed="rId7"/>
+              </p:ext>
+            </p:extLst>
+          </p:nvPr>
+        </p:nvPicPr>
+        <p:blipFill>
+          <a:blip r:embed="rId10"/>
+          <a:stretch>
+            <a:fillRect/>
+          </a:stretch>
+        </p:blipFill>
+        <p:spPr>
+          <a:xfrm>
+            <a:off x="2569828" y="3859758"/>
+            <a:ext cx="609600" cy="609600"/>
+          </a:xfrm>
+          <a:prstGeom prst="rect">
+            <a:avLst/>
+          </a:prstGeom>
+        </p:spPr>
+      </p:pic>
     </p:spTree>
     <p:extLst>
       <p:ext uri="{BB962C8B-B14F-4D97-AF65-F5344CB8AC3E}">
-        <p14:creationId xmlns:p14="http://schemas.microsoft.com/office/powerpoint/2010/main" val="3404281043"/>
+        <p14:creationId xmlns:p14="http://schemas.microsoft.com/office/powerpoint/2010/main" val="622428192"/>
       </p:ext>
     </p:extLst>
   </p:cSld>
   <p:clrMapOvr>
     <a:masterClrMapping/>
   </p:clrMapOvr>
+  <p:timing>
+    <p:tnLst>
+      <p:par>
+        <p:cTn id="1" dur="indefinite" restart="never" nodeType="tmRoot">
+          <p:childTnLst>
+            <p:seq concurrent="1" nextAc="seek">
+              <p:cTn id="2" dur="indefinite" nodeType="mainSeq">
+                <p:childTnLst>
+                  <p:par>
+                    <p:cTn id="3" fill="hold">
+                      <p:stCondLst>
+                        <p:cond delay="indefinite"/>
+                      </p:stCondLst>
+                      <p:childTnLst>
+                        <p:par>
+                          <p:cTn id="4" fill="hold">
+                            <p:stCondLst>
+                              <p:cond delay="0"/>
+                            </p:stCondLst>
+                            <p:childTnLst>
+                              <p:par>
+                                <p:cTn id="5" presetID="1" presetClass="mediacall" presetSubtype="0" fill="hold" nodeType="clickEffect">
+                                  <p:stCondLst>
+                                    <p:cond delay="0"/>
+                                  </p:stCondLst>
+                                  <p:childTnLst>
+                                    <p:cmd type="call" cmd="playFrom(0.0)">
+                                      <p:cBhvr>
+                                        <p:cTn id="6" dur="3263" fill="hold"/>
+                                        <p:tgtEl>
+                                          <p:spTgt spid="4"/>
+                                        </p:tgtEl>
+                                      </p:cBhvr>
+                                    </p:cmd>
+                                  </p:childTnLst>
+                                </p:cTn>
+                              </p:par>
+                            </p:childTnLst>
+                          </p:cTn>
+                        </p:par>
+                      </p:childTnLst>
+                    </p:cTn>
+                  </p:par>
+                  <p:par>
+                    <p:cTn id="7" fill="hold">
+                      <p:stCondLst>
+                        <p:cond delay="indefinite"/>
+                      </p:stCondLst>
+                      <p:childTnLst>
+                        <p:par>
+                          <p:cTn id="8" fill="hold">
+                            <p:stCondLst>
+                              <p:cond delay="0"/>
+                            </p:stCondLst>
+                            <p:childTnLst>
+                              <p:par>
+                                <p:cTn id="9" presetID="1" presetClass="mediacall" presetSubtype="0" fill="hold" nodeType="clickEffect">
+                                  <p:stCondLst>
+                                    <p:cond delay="0"/>
+                                  </p:stCondLst>
+                                  <p:childTnLst>
+                                    <p:cmd type="call" cmd="playFrom(0.0)">
+                                      <p:cBhvr>
+                                        <p:cTn id="10" dur="3263" fill="hold"/>
+                                        <p:tgtEl>
+                                          <p:spTgt spid="5"/>
+                                        </p:tgtEl>
+                                      </p:cBhvr>
+                                    </p:cmd>
+                                  </p:childTnLst>
+                                </p:cTn>
+                              </p:par>
+                            </p:childTnLst>
+                          </p:cTn>
+                        </p:par>
+                      </p:childTnLst>
+                    </p:cTn>
+                  </p:par>
+                  <p:par>
+                    <p:cTn id="11" fill="hold">
+                      <p:stCondLst>
+                        <p:cond delay="indefinite"/>
+                      </p:stCondLst>
+                      <p:childTnLst>
+                        <p:par>
+                          <p:cTn id="12" fill="hold">
+                            <p:stCondLst>
+                              <p:cond delay="0"/>
+                            </p:stCondLst>
+                            <p:childTnLst>
+                              <p:par>
+                                <p:cTn id="13" presetID="1" presetClass="mediacall" presetSubtype="0" fill="hold" nodeType="clickEffect">
+                                  <p:stCondLst>
+                                    <p:cond delay="0"/>
+                                  </p:stCondLst>
+                                  <p:childTnLst>
+                                    <p:cmd type="call" cmd="playFrom(0.0)">
+                                      <p:cBhvr>
+                                        <p:cTn id="14" dur="3263" fill="hold"/>
+                                        <p:tgtEl>
+                                          <p:spTgt spid="6"/>
+                                        </p:tgtEl>
+                                      </p:cBhvr>
+                                    </p:cmd>
+                                  </p:childTnLst>
+                                </p:cTn>
+                              </p:par>
+                            </p:childTnLst>
+                          </p:cTn>
+                        </p:par>
+                      </p:childTnLst>
+                    </p:cTn>
+                  </p:par>
+                  <p:par>
+                    <p:cTn id="15" fill="hold">
+                      <p:stCondLst>
+                        <p:cond delay="indefinite"/>
+                      </p:stCondLst>
+                      <p:childTnLst>
+                        <p:par>
+                          <p:cTn id="16" fill="hold">
+                            <p:stCondLst>
+                              <p:cond delay="0"/>
+                            </p:stCondLst>
+                            <p:childTnLst>
+                              <p:par>
+                                <p:cTn id="17" presetID="1" presetClass="mediacall" presetSubtype="0" fill="hold" nodeType="clickEffect">
+                                  <p:stCondLst>
+                                    <p:cond delay="0"/>
+                                  </p:stCondLst>
+                                  <p:childTnLst>
+                                    <p:cmd type="call" cmd="playFrom(0.0)">
+                                      <p:cBhvr>
+                                        <p:cTn id="18" dur="3263" fill="hold"/>
+                                        <p:tgtEl>
+                                          <p:spTgt spid="7"/>
+                                        </p:tgtEl>
+                                      </p:cBhvr>
+                                    </p:cmd>
+                                  </p:childTnLst>
+                                </p:cTn>
+                              </p:par>
+                            </p:childTnLst>
+                          </p:cTn>
+                        </p:par>
+                      </p:childTnLst>
+                    </p:cTn>
+                  </p:par>
+                </p:childTnLst>
+              </p:cTn>
+              <p:prevCondLst>
+                <p:cond evt="onPrev" delay="0">
+                  <p:tgtEl>
+                    <p:sldTgt/>
+                  </p:tgtEl>
+                </p:cond>
+              </p:prevCondLst>
+              <p:nextCondLst>
+                <p:cond evt="onNext" delay="0">
+                  <p:tgtEl>
+                    <p:sldTgt/>
+                  </p:tgtEl>
+                </p:cond>
+              </p:nextCondLst>
+            </p:seq>
+            <p:audio>
+              <p:cMediaNode vol="80000">
+                <p:cTn id="19" fill="hold" display="0">
+                  <p:stCondLst>
+                    <p:cond delay="indefinite"/>
+                  </p:stCondLst>
+                  <p:endCondLst>
+                    <p:cond evt="onStopAudio" delay="0">
+                      <p:tgtEl>
+                        <p:sldTgt/>
+                      </p:tgtEl>
+                    </p:cond>
+                  </p:endCondLst>
+                </p:cTn>
+                <p:tgtEl>
+                  <p:spTgt spid="4"/>
+                </p:tgtEl>
+              </p:cMediaNode>
+            </p:audio>
+            <p:audio>
+              <p:cMediaNode vol="80000">
+                <p:cTn id="20" fill="hold" display="0">
+                  <p:stCondLst>
+                    <p:cond delay="indefinite"/>
+                  </p:stCondLst>
+                  <p:endCondLst>
+                    <p:cond evt="onStopAudio" delay="0">
+                      <p:tgtEl>
+                        <p:sldTgt/>
+                      </p:tgtEl>
+                    </p:cond>
+                  </p:endCondLst>
+                </p:cTn>
+                <p:tgtEl>
+                  <p:spTgt spid="5"/>
+                </p:tgtEl>
+              </p:cMediaNode>
+            </p:audio>
+            <p:audio>
+              <p:cMediaNode vol="80000">
+                <p:cTn id="21" fill="hold" display="0">
+                  <p:stCondLst>
+                    <p:cond delay="indefinite"/>
+                  </p:stCondLst>
+                  <p:endCondLst>
+                    <p:cond evt="onStopAudio" delay="0">
+                      <p:tgtEl>
+                        <p:sldTgt/>
+                      </p:tgtEl>
+                    </p:cond>
+                  </p:endCondLst>
+                </p:cTn>
+                <p:tgtEl>
+                  <p:spTgt spid="6"/>
+                </p:tgtEl>
+              </p:cMediaNode>
+            </p:audio>
+            <p:audio>
+              <p:cMediaNode vol="80000">
+                <p:cTn id="22" fill="hold" display="0">
+                  <p:stCondLst>
+                    <p:cond delay="indefinite"/>
+                  </p:stCondLst>
+                  <p:endCondLst>
+                    <p:cond evt="onStopAudio" delay="0">
+                      <p:tgtEl>
+                        <p:sldTgt/>
+                      </p:tgtEl>
+                    </p:cond>
+                  </p:endCondLst>
+                </p:cTn>
+                <p:tgtEl>
+                  <p:spTgt spid="7"/>
+                </p:tgtEl>
+              </p:cMediaNode>
+            </p:audio>
+          </p:childTnLst>
+        </p:cTn>
+      </p:par>
+    </p:tnLst>
+  </p:timing>
+</p:sld>
+</file>
+
+<file path=ppt/slides/slide8.xml><?xml version="1.0" encoding="utf-8"?>
+<p:sld xmlns:a="http://schemas.openxmlformats.org/drawingml/2006/main" xmlns:r="http://schemas.openxmlformats.org/officeDocument/2006/relationships" xmlns:p="http://schemas.openxmlformats.org/presentationml/2006/main">
+  <p:cSld>
+    <p:spTree>
+      <p:nvGrpSpPr>
+        <p:cNvPr id="1" name=""/>
+        <p:cNvGrpSpPr/>
+        <p:nvPr/>
+      </p:nvGrpSpPr>
+      <p:grpSpPr>
+        <a:xfrm>
+          <a:off x="0" y="0"/>
+          <a:ext cx="0" cy="0"/>
+          <a:chOff x="0" y="0"/>
+          <a:chExt cx="0" cy="0"/>
+        </a:xfrm>
+      </p:grpSpPr>
+      <p:sp>
+        <p:nvSpPr>
+          <p:cNvPr id="2" name="标题 1">
+            <a:extLst>
+              <a:ext uri="{FF2B5EF4-FFF2-40B4-BE49-F238E27FC236}">
+                <a16:creationId xmlns:a16="http://schemas.microsoft.com/office/drawing/2014/main" id="{1223D853-B9A2-43F8-9898-EE9FD2691835}"/>
+              </a:ext>
+            </a:extLst>
+          </p:cNvPr>
+          <p:cNvSpPr>
+            <a:spLocks noGrp="1"/>
+          </p:cNvSpPr>
+          <p:nvPr>
+            <p:ph type="title"/>
+          </p:nvPr>
+        </p:nvSpPr>
+        <p:spPr/>
+        <p:txBody>
+          <a:bodyPr/>
+          <a:lstStyle/>
+          <a:p>
+            <a:endParaRPr lang="zh-CN" altLang="en-US"/>
+          </a:p>
+        </p:txBody>
+      </p:sp>
+      <p:sp>
+        <p:nvSpPr>
+          <p:cNvPr id="3" name="内容占位符 2">
+            <a:extLst>
+              <a:ext uri="{FF2B5EF4-FFF2-40B4-BE49-F238E27FC236}">
+                <a16:creationId xmlns:a16="http://schemas.microsoft.com/office/drawing/2014/main" id="{1078179F-7F07-4528-A86E-791BBE49C300}"/>
+              </a:ext>
+            </a:extLst>
+          </p:cNvPr>
+          <p:cNvSpPr>
+            <a:spLocks noGrp="1"/>
+          </p:cNvSpPr>
+          <p:nvPr>
+            <p:ph idx="1"/>
+          </p:nvPr>
+        </p:nvSpPr>
+        <p:spPr/>
+        <p:txBody>
+          <a:bodyPr/>
+          <a:lstStyle/>
+          <a:p>
+            <a:r>
+              <a:rPr lang="en-US" altLang="zh-CN" dirty="0"/>
+              <a:t>Task3(with noise ,SNR=-5)</a:t>
+            </a:r>
+          </a:p>
+          <a:p>
+            <a:r>
+              <a:rPr lang="en-US" altLang="zh-CN" dirty="0"/>
+              <a:t>N=2</a:t>
+            </a:r>
+          </a:p>
+          <a:p>
+            <a:r>
+              <a:rPr lang="en-US" altLang="zh-CN" dirty="0"/>
+              <a:t>N=4</a:t>
+            </a:r>
+          </a:p>
+          <a:p>
+            <a:r>
+              <a:rPr lang="en-US" altLang="zh-CN" dirty="0"/>
+              <a:t>N=6</a:t>
+            </a:r>
+          </a:p>
+          <a:p>
+            <a:r>
+              <a:rPr lang="en-US" altLang="zh-CN" dirty="0"/>
+              <a:t>N=8</a:t>
+            </a:r>
+          </a:p>
+          <a:p>
+            <a:r>
+              <a:rPr lang="en-US" altLang="zh-CN" dirty="0"/>
+              <a:t>N=16</a:t>
+            </a:r>
+          </a:p>
+          <a:p>
+            <a:endParaRPr lang="zh-CN" altLang="en-US" dirty="0"/>
+          </a:p>
+        </p:txBody>
+      </p:sp>
+      <p:pic>
+        <p:nvPicPr>
+          <p:cNvPr id="5" name="task_3_2">
+            <a:hlinkClick r:id="" action="ppaction://media"/>
+            <a:extLst>
+              <a:ext uri="{FF2B5EF4-FFF2-40B4-BE49-F238E27FC236}">
+                <a16:creationId xmlns:a16="http://schemas.microsoft.com/office/drawing/2014/main" id="{B6447333-8120-4388-8A6D-7CBD20988C2A}"/>
+              </a:ext>
+            </a:extLst>
+          </p:cNvPr>
+          <p:cNvPicPr>
+            <a:picLocks noChangeAspect="1"/>
+          </p:cNvPicPr>
+          <p:nvPr>
+            <a:audioFile r:link="rId2"/>
+            <p:extLst>
+              <p:ext uri="{DAA4B4D4-6D71-4841-9C94-3DE7FCFB9230}">
+                <p14:media xmlns:p14="http://schemas.microsoft.com/office/powerpoint/2010/main" r:embed="rId1"/>
+              </p:ext>
+            </p:extLst>
+          </p:nvPr>
+        </p:nvPicPr>
+        <p:blipFill>
+          <a:blip r:embed="rId12"/>
+          <a:stretch>
+            <a:fillRect/>
+          </a:stretch>
+        </p:blipFill>
+        <p:spPr>
+          <a:xfrm>
+            <a:off x="2058099" y="2251745"/>
+            <a:ext cx="609600" cy="609600"/>
+          </a:xfrm>
+          <a:prstGeom prst="rect">
+            <a:avLst/>
+          </a:prstGeom>
+        </p:spPr>
+      </p:pic>
+      <p:pic>
+        <p:nvPicPr>
+          <p:cNvPr id="6" name="task_3_4">
+            <a:hlinkClick r:id="" action="ppaction://media"/>
+            <a:extLst>
+              <a:ext uri="{FF2B5EF4-FFF2-40B4-BE49-F238E27FC236}">
+                <a16:creationId xmlns:a16="http://schemas.microsoft.com/office/drawing/2014/main" id="{699FC406-76CE-4F66-9A87-76C11A6DCF3D}"/>
+              </a:ext>
+            </a:extLst>
+          </p:cNvPr>
+          <p:cNvPicPr>
+            <a:picLocks noChangeAspect="1"/>
+          </p:cNvPicPr>
+          <p:nvPr>
+            <a:audioFile r:link="rId4"/>
+            <p:extLst>
+              <p:ext uri="{DAA4B4D4-6D71-4841-9C94-3DE7FCFB9230}">
+                <p14:media xmlns:p14="http://schemas.microsoft.com/office/powerpoint/2010/main" r:embed="rId3"/>
+              </p:ext>
+            </p:extLst>
+          </p:nvPr>
+        </p:nvPicPr>
+        <p:blipFill>
+          <a:blip r:embed="rId12"/>
+          <a:stretch>
+            <a:fillRect/>
+          </a:stretch>
+        </p:blipFill>
+        <p:spPr>
+          <a:xfrm>
+            <a:off x="2058099" y="2783222"/>
+            <a:ext cx="609600" cy="609600"/>
+          </a:xfrm>
+          <a:prstGeom prst="rect">
+            <a:avLst/>
+          </a:prstGeom>
+        </p:spPr>
+      </p:pic>
+      <p:pic>
+        <p:nvPicPr>
+          <p:cNvPr id="7" name="task_3_6">
+            <a:hlinkClick r:id="" action="ppaction://media"/>
+            <a:extLst>
+              <a:ext uri="{FF2B5EF4-FFF2-40B4-BE49-F238E27FC236}">
+                <a16:creationId xmlns:a16="http://schemas.microsoft.com/office/drawing/2014/main" id="{13DAB369-C4BF-47F7-829D-2B220C8A743A}"/>
+              </a:ext>
+            </a:extLst>
+          </p:cNvPr>
+          <p:cNvPicPr>
+            <a:picLocks noChangeAspect="1"/>
+          </p:cNvPicPr>
+          <p:nvPr>
+            <a:audioFile r:link="rId6"/>
+            <p:extLst>
+              <p:ext uri="{DAA4B4D4-6D71-4841-9C94-3DE7FCFB9230}">
+                <p14:media xmlns:p14="http://schemas.microsoft.com/office/powerpoint/2010/main" r:embed="rId5"/>
+              </p:ext>
+            </p:extLst>
+          </p:nvPr>
+        </p:nvPicPr>
+        <p:blipFill>
+          <a:blip r:embed="rId12"/>
+          <a:stretch>
+            <a:fillRect/>
+          </a:stretch>
+        </p:blipFill>
+        <p:spPr>
+          <a:xfrm>
+            <a:off x="2058099" y="3301082"/>
+            <a:ext cx="609600" cy="609600"/>
+          </a:xfrm>
+          <a:prstGeom prst="rect">
+            <a:avLst/>
+          </a:prstGeom>
+        </p:spPr>
+      </p:pic>
+      <p:pic>
+        <p:nvPicPr>
+          <p:cNvPr id="8" name="task_3_8">
+            <a:hlinkClick r:id="" action="ppaction://media"/>
+            <a:extLst>
+              <a:ext uri="{FF2B5EF4-FFF2-40B4-BE49-F238E27FC236}">
+                <a16:creationId xmlns:a16="http://schemas.microsoft.com/office/drawing/2014/main" id="{6CD3DEFC-31AC-48E9-BD3B-596AB2CCD077}"/>
+              </a:ext>
+            </a:extLst>
+          </p:cNvPr>
+          <p:cNvPicPr>
+            <a:picLocks noChangeAspect="1"/>
+          </p:cNvPicPr>
+          <p:nvPr>
+            <a:audioFile r:link="rId8"/>
+            <p:extLst>
+              <p:ext uri="{DAA4B4D4-6D71-4841-9C94-3DE7FCFB9230}">
+                <p14:media xmlns:p14="http://schemas.microsoft.com/office/powerpoint/2010/main" r:embed="rId7"/>
+              </p:ext>
+            </p:extLst>
+          </p:nvPr>
+        </p:nvPicPr>
+        <p:blipFill>
+          <a:blip r:embed="rId12"/>
+          <a:stretch>
+            <a:fillRect/>
+          </a:stretch>
+        </p:blipFill>
+        <p:spPr>
+          <a:xfrm>
+            <a:off x="2058099" y="3775745"/>
+            <a:ext cx="609600" cy="609600"/>
+          </a:xfrm>
+          <a:prstGeom prst="rect">
+            <a:avLst/>
+          </a:prstGeom>
+        </p:spPr>
+      </p:pic>
+      <p:pic>
+        <p:nvPicPr>
+          <p:cNvPr id="9" name="task_3_16">
+            <a:hlinkClick r:id="" action="ppaction://media"/>
+            <a:extLst>
+              <a:ext uri="{FF2B5EF4-FFF2-40B4-BE49-F238E27FC236}">
+                <a16:creationId xmlns:a16="http://schemas.microsoft.com/office/drawing/2014/main" id="{E26AFCBF-5154-46B1-AAD0-D5D0F3C71FC9}"/>
+              </a:ext>
+            </a:extLst>
+          </p:cNvPr>
+          <p:cNvPicPr>
+            <a:picLocks noChangeAspect="1"/>
+          </p:cNvPicPr>
+          <p:nvPr>
+            <a:audioFile r:link="rId10"/>
+            <p:extLst>
+              <p:ext uri="{DAA4B4D4-6D71-4841-9C94-3DE7FCFB9230}">
+                <p14:media xmlns:p14="http://schemas.microsoft.com/office/powerpoint/2010/main" r:embed="rId9"/>
+              </p:ext>
+            </p:extLst>
+          </p:nvPr>
+        </p:nvPicPr>
+        <p:blipFill>
+          <a:blip r:embed="rId12"/>
+          <a:stretch>
+            <a:fillRect/>
+          </a:stretch>
+        </p:blipFill>
+        <p:spPr>
+          <a:xfrm>
+            <a:off x="2088859" y="4350419"/>
+            <a:ext cx="609600" cy="609600"/>
+          </a:xfrm>
+          <a:prstGeom prst="rect">
+            <a:avLst/>
+          </a:prstGeom>
+        </p:spPr>
+      </p:pic>
+    </p:spTree>
+    <p:extLst>
+      <p:ext uri="{BB962C8B-B14F-4D97-AF65-F5344CB8AC3E}">
+        <p14:creationId xmlns:p14="http://schemas.microsoft.com/office/powerpoint/2010/main" val="308705855"/>
+      </p:ext>
+    </p:extLst>
+  </p:cSld>
+  <p:clrMapOvr>
+    <a:masterClrMapping/>
+  </p:clrMapOvr>
+  <p:timing>
+    <p:tnLst>
+      <p:par>
+        <p:cTn id="1" dur="indefinite" restart="never" nodeType="tmRoot">
+          <p:childTnLst>
+            <p:seq concurrent="1" nextAc="seek">
+              <p:cTn id="2" dur="indefinite" nodeType="mainSeq">
+                <p:childTnLst>
+                  <p:par>
+                    <p:cTn id="3" fill="hold">
+                      <p:stCondLst>
+                        <p:cond delay="indefinite"/>
+                      </p:stCondLst>
+                      <p:childTnLst>
+                        <p:par>
+                          <p:cTn id="4" fill="hold">
+                            <p:stCondLst>
+                              <p:cond delay="0"/>
+                            </p:stCondLst>
+                            <p:childTnLst>
+                              <p:par>
+                                <p:cTn id="5" presetID="1" presetClass="mediacall" presetSubtype="0" fill="hold" nodeType="clickEffect">
+                                  <p:stCondLst>
+                                    <p:cond delay="0"/>
+                                  </p:stCondLst>
+                                  <p:childTnLst>
+                                    <p:cmd type="call" cmd="playFrom(0.0)">
+                                      <p:cBhvr>
+                                        <p:cTn id="6" dur="3263" fill="hold"/>
+                                        <p:tgtEl>
+                                          <p:spTgt spid="5"/>
+                                        </p:tgtEl>
+                                      </p:cBhvr>
+                                    </p:cmd>
+                                  </p:childTnLst>
+                                </p:cTn>
+                              </p:par>
+                            </p:childTnLst>
+                          </p:cTn>
+                        </p:par>
+                      </p:childTnLst>
+                    </p:cTn>
+                  </p:par>
+                  <p:par>
+                    <p:cTn id="7" fill="hold">
+                      <p:stCondLst>
+                        <p:cond delay="indefinite"/>
+                      </p:stCondLst>
+                      <p:childTnLst>
+                        <p:par>
+                          <p:cTn id="8" fill="hold">
+                            <p:stCondLst>
+                              <p:cond delay="0"/>
+                            </p:stCondLst>
+                            <p:childTnLst>
+                              <p:par>
+                                <p:cTn id="9" presetID="1" presetClass="mediacall" presetSubtype="0" fill="hold" nodeType="clickEffect">
+                                  <p:stCondLst>
+                                    <p:cond delay="0"/>
+                                  </p:stCondLst>
+                                  <p:childTnLst>
+                                    <p:cmd type="call" cmd="playFrom(0.0)">
+                                      <p:cBhvr>
+                                        <p:cTn id="10" dur="3263" fill="hold"/>
+                                        <p:tgtEl>
+                                          <p:spTgt spid="6"/>
+                                        </p:tgtEl>
+                                      </p:cBhvr>
+                                    </p:cmd>
+                                  </p:childTnLst>
+                                </p:cTn>
+                              </p:par>
+                            </p:childTnLst>
+                          </p:cTn>
+                        </p:par>
+                      </p:childTnLst>
+                    </p:cTn>
+                  </p:par>
+                  <p:par>
+                    <p:cTn id="11" fill="hold">
+                      <p:stCondLst>
+                        <p:cond delay="indefinite"/>
+                      </p:stCondLst>
+                      <p:childTnLst>
+                        <p:par>
+                          <p:cTn id="12" fill="hold">
+                            <p:stCondLst>
+                              <p:cond delay="0"/>
+                            </p:stCondLst>
+                            <p:childTnLst>
+                              <p:par>
+                                <p:cTn id="13" presetID="1" presetClass="mediacall" presetSubtype="0" fill="hold" nodeType="clickEffect">
+                                  <p:stCondLst>
+                                    <p:cond delay="0"/>
+                                  </p:stCondLst>
+                                  <p:childTnLst>
+                                    <p:cmd type="call" cmd="playFrom(0.0)">
+                                      <p:cBhvr>
+                                        <p:cTn id="14" dur="3263" fill="hold"/>
+                                        <p:tgtEl>
+                                          <p:spTgt spid="7"/>
+                                        </p:tgtEl>
+                                      </p:cBhvr>
+                                    </p:cmd>
+                                  </p:childTnLst>
+                                </p:cTn>
+                              </p:par>
+                            </p:childTnLst>
+                          </p:cTn>
+                        </p:par>
+                      </p:childTnLst>
+                    </p:cTn>
+                  </p:par>
+                  <p:par>
+                    <p:cTn id="15" fill="hold">
+                      <p:stCondLst>
+                        <p:cond delay="indefinite"/>
+                      </p:stCondLst>
+                      <p:childTnLst>
+                        <p:par>
+                          <p:cTn id="16" fill="hold">
+                            <p:stCondLst>
+                              <p:cond delay="0"/>
+                            </p:stCondLst>
+                            <p:childTnLst>
+                              <p:par>
+                                <p:cTn id="17" presetID="1" presetClass="mediacall" presetSubtype="0" fill="hold" nodeType="clickEffect">
+                                  <p:stCondLst>
+                                    <p:cond delay="0"/>
+                                  </p:stCondLst>
+                                  <p:childTnLst>
+                                    <p:cmd type="call" cmd="playFrom(0.0)">
+                                      <p:cBhvr>
+                                        <p:cTn id="18" dur="3263" fill="hold"/>
+                                        <p:tgtEl>
+                                          <p:spTgt spid="8"/>
+                                        </p:tgtEl>
+                                      </p:cBhvr>
+                                    </p:cmd>
+                                  </p:childTnLst>
+                                </p:cTn>
+                              </p:par>
+                            </p:childTnLst>
+                          </p:cTn>
+                        </p:par>
+                      </p:childTnLst>
+                    </p:cTn>
+                  </p:par>
+                  <p:par>
+                    <p:cTn id="19" fill="hold">
+                      <p:stCondLst>
+                        <p:cond delay="indefinite"/>
+                      </p:stCondLst>
+                      <p:childTnLst>
+                        <p:par>
+                          <p:cTn id="20" fill="hold">
+                            <p:stCondLst>
+                              <p:cond delay="0"/>
+                            </p:stCondLst>
+                            <p:childTnLst>
+                              <p:par>
+                                <p:cTn id="21" presetID="1" presetClass="mediacall" presetSubtype="0" fill="hold" nodeType="clickEffect">
+                                  <p:stCondLst>
+                                    <p:cond delay="0"/>
+                                  </p:stCondLst>
+                                  <p:childTnLst>
+                                    <p:cmd type="call" cmd="playFrom(0.0)">
+                                      <p:cBhvr>
+                                        <p:cTn id="22" dur="3263" fill="hold"/>
+                                        <p:tgtEl>
+                                          <p:spTgt spid="9"/>
+                                        </p:tgtEl>
+                                      </p:cBhvr>
+                                    </p:cmd>
+                                  </p:childTnLst>
+                                </p:cTn>
+                              </p:par>
+                            </p:childTnLst>
+                          </p:cTn>
+                        </p:par>
+                      </p:childTnLst>
+                    </p:cTn>
+                  </p:par>
+                </p:childTnLst>
+              </p:cTn>
+              <p:prevCondLst>
+                <p:cond evt="onPrev" delay="0">
+                  <p:tgtEl>
+                    <p:sldTgt/>
+                  </p:tgtEl>
+                </p:cond>
+              </p:prevCondLst>
+              <p:nextCondLst>
+                <p:cond evt="onNext" delay="0">
+                  <p:tgtEl>
+                    <p:sldTgt/>
+                  </p:tgtEl>
+                </p:cond>
+              </p:nextCondLst>
+            </p:seq>
+            <p:audio>
+              <p:cMediaNode vol="80000">
+                <p:cTn id="23" fill="hold" display="0">
+                  <p:stCondLst>
+                    <p:cond delay="indefinite"/>
+                  </p:stCondLst>
+                  <p:endCondLst>
+                    <p:cond evt="onStopAudio" delay="0">
+                      <p:tgtEl>
+                        <p:sldTgt/>
+                      </p:tgtEl>
+                    </p:cond>
+                  </p:endCondLst>
+                </p:cTn>
+                <p:tgtEl>
+                  <p:spTgt spid="5"/>
+                </p:tgtEl>
+              </p:cMediaNode>
+            </p:audio>
+            <p:audio>
+              <p:cMediaNode vol="80000">
+                <p:cTn id="24" fill="hold" display="0">
+                  <p:stCondLst>
+                    <p:cond delay="indefinite"/>
+                  </p:stCondLst>
+                  <p:endCondLst>
+                    <p:cond evt="onStopAudio" delay="0">
+                      <p:tgtEl>
+                        <p:sldTgt/>
+                      </p:tgtEl>
+                    </p:cond>
+                  </p:endCondLst>
+                </p:cTn>
+                <p:tgtEl>
+                  <p:spTgt spid="6"/>
+                </p:tgtEl>
+              </p:cMediaNode>
+            </p:audio>
+            <p:audio>
+              <p:cMediaNode vol="80000">
+                <p:cTn id="25" fill="hold" display="0">
+                  <p:stCondLst>
+                    <p:cond delay="indefinite"/>
+                  </p:stCondLst>
+                  <p:endCondLst>
+                    <p:cond evt="onStopAudio" delay="0">
+                      <p:tgtEl>
+                        <p:sldTgt/>
+                      </p:tgtEl>
+                    </p:cond>
+                  </p:endCondLst>
+                </p:cTn>
+                <p:tgtEl>
+                  <p:spTgt spid="7"/>
+                </p:tgtEl>
+              </p:cMediaNode>
+            </p:audio>
+            <p:audio>
+              <p:cMediaNode vol="80000">
+                <p:cTn id="26" fill="hold" display="0">
+                  <p:stCondLst>
+                    <p:cond delay="indefinite"/>
+                  </p:stCondLst>
+                  <p:endCondLst>
+                    <p:cond evt="onStopAudio" delay="0">
+                      <p:tgtEl>
+                        <p:sldTgt/>
+                      </p:tgtEl>
+                    </p:cond>
+                  </p:endCondLst>
+                </p:cTn>
+                <p:tgtEl>
+                  <p:spTgt spid="8"/>
+                </p:tgtEl>
+              </p:cMediaNode>
+            </p:audio>
+            <p:audio>
+              <p:cMediaNode vol="80000">
+                <p:cTn id="27" fill="hold" display="0">
+                  <p:stCondLst>
+                    <p:cond delay="indefinite"/>
+                  </p:stCondLst>
+                  <p:endCondLst>
+                    <p:cond evt="onStopAudio" delay="0">
+                      <p:tgtEl>
+                        <p:sldTgt/>
+                      </p:tgtEl>
+                    </p:cond>
+                  </p:endCondLst>
+                </p:cTn>
+                <p:tgtEl>
+                  <p:spTgt spid="9"/>
+                </p:tgtEl>
+              </p:cMediaNode>
+            </p:audio>
+          </p:childTnLst>
+        </p:cTn>
+      </p:par>
+    </p:tnLst>
+  </p:timing>
+</p:sld>
+</file>
+
+<file path=ppt/slides/slide9.xml><?xml version="1.0" encoding="utf-8"?>
+<p:sld xmlns:a="http://schemas.openxmlformats.org/drawingml/2006/main" xmlns:r="http://schemas.openxmlformats.org/officeDocument/2006/relationships" xmlns:p="http://schemas.openxmlformats.org/presentationml/2006/main">
+  <p:cSld>
+    <p:spTree>
+      <p:nvGrpSpPr>
+        <p:cNvPr id="1" name=""/>
+        <p:cNvGrpSpPr/>
+        <p:nvPr/>
+      </p:nvGrpSpPr>
+      <p:grpSpPr>
+        <a:xfrm>
+          <a:off x="0" y="0"/>
+          <a:ext cx="0" cy="0"/>
+          <a:chOff x="0" y="0"/>
+          <a:chExt cx="0" cy="0"/>
+        </a:xfrm>
+      </p:grpSpPr>
+      <p:sp>
+        <p:nvSpPr>
+          <p:cNvPr id="2" name="标题 1">
+            <a:extLst>
+              <a:ext uri="{FF2B5EF4-FFF2-40B4-BE49-F238E27FC236}">
+                <a16:creationId xmlns:a16="http://schemas.microsoft.com/office/drawing/2014/main" id="{97A5BA49-7CB0-4212-9FA9-471642BF5D88}"/>
+              </a:ext>
+            </a:extLst>
+          </p:cNvPr>
+          <p:cNvSpPr>
+            <a:spLocks noGrp="1"/>
+          </p:cNvSpPr>
+          <p:nvPr>
+            <p:ph type="title"/>
+          </p:nvPr>
+        </p:nvSpPr>
+        <p:spPr/>
+        <p:txBody>
+          <a:bodyPr/>
+          <a:lstStyle/>
+          <a:p>
+            <a:endParaRPr lang="zh-CN" altLang="en-US"/>
+          </a:p>
+        </p:txBody>
+      </p:sp>
+      <p:sp>
+        <p:nvSpPr>
+          <p:cNvPr id="3" name="内容占位符 2">
+            <a:extLst>
+              <a:ext uri="{FF2B5EF4-FFF2-40B4-BE49-F238E27FC236}">
+                <a16:creationId xmlns:a16="http://schemas.microsoft.com/office/drawing/2014/main" id="{FC2C1755-0C9A-4D9C-B1FD-E66378D7C7D4}"/>
+              </a:ext>
+            </a:extLst>
+          </p:cNvPr>
+          <p:cNvSpPr>
+            <a:spLocks noGrp="1"/>
+          </p:cNvSpPr>
+          <p:nvPr>
+            <p:ph idx="1"/>
+          </p:nvPr>
+        </p:nvSpPr>
+        <p:spPr/>
+        <p:txBody>
+          <a:bodyPr/>
+          <a:lstStyle/>
+          <a:p>
+            <a:r>
+              <a:rPr lang="en-US" altLang="zh-CN" dirty="0"/>
+              <a:t>Task4</a:t>
+            </a:r>
+          </a:p>
+          <a:p>
+            <a:r>
+              <a:rPr lang="en-US" altLang="zh-CN" dirty="0"/>
+              <a:t>f=20Hz</a:t>
+            </a:r>
+          </a:p>
+          <a:p>
+            <a:r>
+              <a:rPr lang="en-US" altLang="zh-CN" dirty="0"/>
+              <a:t>f=50Hz</a:t>
+            </a:r>
+          </a:p>
+          <a:p>
+            <a:r>
+              <a:rPr lang="en-US" altLang="zh-CN" dirty="0"/>
+              <a:t>f=100Hz</a:t>
+            </a:r>
+          </a:p>
+          <a:p>
+            <a:r>
+              <a:rPr lang="en-US" altLang="zh-CN" dirty="0"/>
+              <a:t>f=400Hz</a:t>
+            </a:r>
+          </a:p>
+          <a:p>
+            <a:endParaRPr lang="zh-CN" altLang="en-US" dirty="0"/>
+          </a:p>
+        </p:txBody>
+      </p:sp>
+      <p:pic>
+        <p:nvPicPr>
+          <p:cNvPr id="4" name="task_4_20">
+            <a:hlinkClick r:id="" action="ppaction://media"/>
+            <a:extLst>
+              <a:ext uri="{FF2B5EF4-FFF2-40B4-BE49-F238E27FC236}">
+                <a16:creationId xmlns:a16="http://schemas.microsoft.com/office/drawing/2014/main" id="{41A9640A-0816-4986-A7BC-FC587CA53D5E}"/>
+              </a:ext>
+            </a:extLst>
+          </p:cNvPr>
+          <p:cNvPicPr>
+            <a:picLocks noChangeAspect="1"/>
+          </p:cNvPicPr>
+          <p:nvPr>
+            <a:audioFile r:link="rId2"/>
+            <p:extLst>
+              <p:ext uri="{DAA4B4D4-6D71-4841-9C94-3DE7FCFB9230}">
+                <p14:media xmlns:p14="http://schemas.microsoft.com/office/powerpoint/2010/main" r:embed="rId1"/>
+              </p:ext>
+            </p:extLst>
+          </p:nvPr>
+        </p:nvPicPr>
+        <p:blipFill>
+          <a:blip r:embed="rId10"/>
+          <a:stretch>
+            <a:fillRect/>
+          </a:stretch>
+        </p:blipFill>
+        <p:spPr>
+          <a:xfrm>
+            <a:off x="2695662" y="2268523"/>
+            <a:ext cx="609600" cy="609600"/>
+          </a:xfrm>
+          <a:prstGeom prst="rect">
+            <a:avLst/>
+          </a:prstGeom>
+        </p:spPr>
+      </p:pic>
+      <p:pic>
+        <p:nvPicPr>
+          <p:cNvPr id="5" name="task_4_50">
+            <a:hlinkClick r:id="" action="ppaction://media"/>
+            <a:extLst>
+              <a:ext uri="{FF2B5EF4-FFF2-40B4-BE49-F238E27FC236}">
+                <a16:creationId xmlns:a16="http://schemas.microsoft.com/office/drawing/2014/main" id="{36C959E4-9FEA-4819-B011-B0AD98670133}"/>
+              </a:ext>
+            </a:extLst>
+          </p:cNvPr>
+          <p:cNvPicPr>
+            <a:picLocks noChangeAspect="1"/>
+          </p:cNvPicPr>
+          <p:nvPr>
+            <a:audioFile r:link="rId4"/>
+            <p:extLst>
+              <p:ext uri="{DAA4B4D4-6D71-4841-9C94-3DE7FCFB9230}">
+                <p14:media xmlns:p14="http://schemas.microsoft.com/office/powerpoint/2010/main" r:embed="rId3"/>
+              </p:ext>
+            </p:extLst>
+          </p:nvPr>
+        </p:nvPicPr>
+        <p:blipFill>
+          <a:blip r:embed="rId10"/>
+          <a:stretch>
+            <a:fillRect/>
+          </a:stretch>
+        </p:blipFill>
+        <p:spPr>
+          <a:xfrm>
+            <a:off x="2695662" y="2819400"/>
+            <a:ext cx="609600" cy="609600"/>
+          </a:xfrm>
+          <a:prstGeom prst="rect">
+            <a:avLst/>
+          </a:prstGeom>
+        </p:spPr>
+      </p:pic>
+      <p:pic>
+        <p:nvPicPr>
+          <p:cNvPr id="6" name="task_4_100">
+            <a:hlinkClick r:id="" action="ppaction://media"/>
+            <a:extLst>
+              <a:ext uri="{FF2B5EF4-FFF2-40B4-BE49-F238E27FC236}">
+                <a16:creationId xmlns:a16="http://schemas.microsoft.com/office/drawing/2014/main" id="{D8060A7E-8469-4168-917A-6408176B7BC4}"/>
+              </a:ext>
+            </a:extLst>
+          </p:cNvPr>
+          <p:cNvPicPr>
+            <a:picLocks noChangeAspect="1"/>
+          </p:cNvPicPr>
+          <p:nvPr>
+            <a:audioFile r:link="rId6"/>
+            <p:extLst>
+              <p:ext uri="{DAA4B4D4-6D71-4841-9C94-3DE7FCFB9230}">
+                <p14:media xmlns:p14="http://schemas.microsoft.com/office/powerpoint/2010/main" r:embed="rId5"/>
+              </p:ext>
+            </p:extLst>
+          </p:nvPr>
+        </p:nvPicPr>
+        <p:blipFill>
+          <a:blip r:embed="rId10"/>
+          <a:stretch>
+            <a:fillRect/>
+          </a:stretch>
+        </p:blipFill>
+        <p:spPr>
+          <a:xfrm>
+            <a:off x="2695662" y="3337704"/>
+            <a:ext cx="609600" cy="609600"/>
+          </a:xfrm>
+          <a:prstGeom prst="rect">
+            <a:avLst/>
+          </a:prstGeom>
+        </p:spPr>
+      </p:pic>
+      <p:pic>
+        <p:nvPicPr>
+          <p:cNvPr id="7" name="task_4_400">
+            <a:hlinkClick r:id="" action="ppaction://media"/>
+            <a:extLst>
+              <a:ext uri="{FF2B5EF4-FFF2-40B4-BE49-F238E27FC236}">
+                <a16:creationId xmlns:a16="http://schemas.microsoft.com/office/drawing/2014/main" id="{3D11DDC1-2282-48F8-B293-F6ECE56D7A12}"/>
+              </a:ext>
+            </a:extLst>
+          </p:cNvPr>
+          <p:cNvPicPr>
+            <a:picLocks noChangeAspect="1"/>
+          </p:cNvPicPr>
+          <p:nvPr>
+            <a:audioFile r:link="rId8"/>
+            <p:extLst>
+              <p:ext uri="{DAA4B4D4-6D71-4841-9C94-3DE7FCFB9230}">
+                <p14:media xmlns:p14="http://schemas.microsoft.com/office/powerpoint/2010/main" r:embed="rId7"/>
+              </p:ext>
+            </p:extLst>
+          </p:nvPr>
+        </p:nvPicPr>
+        <p:blipFill>
+          <a:blip r:embed="rId10"/>
+          <a:stretch>
+            <a:fillRect/>
+          </a:stretch>
+        </p:blipFill>
+        <p:spPr>
+          <a:xfrm>
+            <a:off x="2695662" y="3845522"/>
+            <a:ext cx="609600" cy="609600"/>
+          </a:xfrm>
+          <a:prstGeom prst="rect">
+            <a:avLst/>
+          </a:prstGeom>
+        </p:spPr>
+      </p:pic>
+    </p:spTree>
+    <p:extLst>
+      <p:ext uri="{BB962C8B-B14F-4D97-AF65-F5344CB8AC3E}">
+        <p14:creationId xmlns:p14="http://schemas.microsoft.com/office/powerpoint/2010/main" val="2901088571"/>
+      </p:ext>
+    </p:extLst>
+  </p:cSld>
+  <p:clrMapOvr>
+    <a:masterClrMapping/>
+  </p:clrMapOvr>
+  <p:timing>
+    <p:tnLst>
+      <p:par>
+        <p:cTn id="1" dur="indefinite" restart="never" nodeType="tmRoot">
+          <p:childTnLst>
+            <p:seq concurrent="1" nextAc="seek">
+              <p:cTn id="2" dur="indefinite" nodeType="mainSeq">
+                <p:childTnLst>
+                  <p:par>
+                    <p:cTn id="3" fill="hold">
+                      <p:stCondLst>
+                        <p:cond delay="indefinite"/>
+                      </p:stCondLst>
+                      <p:childTnLst>
+                        <p:par>
+                          <p:cTn id="4" fill="hold">
+                            <p:stCondLst>
+                              <p:cond delay="0"/>
+                            </p:stCondLst>
+                            <p:childTnLst>
+                              <p:par>
+                                <p:cTn id="5" presetID="1" presetClass="mediacall" presetSubtype="0" fill="hold" nodeType="clickEffect">
+                                  <p:stCondLst>
+                                    <p:cond delay="0"/>
+                                  </p:stCondLst>
+                                  <p:childTnLst>
+                                    <p:cmd type="call" cmd="playFrom(0.0)">
+                                      <p:cBhvr>
+                                        <p:cTn id="6" dur="3263" fill="hold"/>
+                                        <p:tgtEl>
+                                          <p:spTgt spid="4"/>
+                                        </p:tgtEl>
+                                      </p:cBhvr>
+                                    </p:cmd>
+                                  </p:childTnLst>
+                                </p:cTn>
+                              </p:par>
+                            </p:childTnLst>
+                          </p:cTn>
+                        </p:par>
+                      </p:childTnLst>
+                    </p:cTn>
+                  </p:par>
+                  <p:par>
+                    <p:cTn id="7" fill="hold">
+                      <p:stCondLst>
+                        <p:cond delay="indefinite"/>
+                      </p:stCondLst>
+                      <p:childTnLst>
+                        <p:par>
+                          <p:cTn id="8" fill="hold">
+                            <p:stCondLst>
+                              <p:cond delay="0"/>
+                            </p:stCondLst>
+                            <p:childTnLst>
+                              <p:par>
+                                <p:cTn id="9" presetID="1" presetClass="mediacall" presetSubtype="0" fill="hold" nodeType="clickEffect">
+                                  <p:stCondLst>
+                                    <p:cond delay="0"/>
+                                  </p:stCondLst>
+                                  <p:childTnLst>
+                                    <p:cmd type="call" cmd="playFrom(0.0)">
+                                      <p:cBhvr>
+                                        <p:cTn id="10" dur="3263" fill="hold"/>
+                                        <p:tgtEl>
+                                          <p:spTgt spid="5"/>
+                                        </p:tgtEl>
+                                      </p:cBhvr>
+                                    </p:cmd>
+                                  </p:childTnLst>
+                                </p:cTn>
+                              </p:par>
+                            </p:childTnLst>
+                          </p:cTn>
+                        </p:par>
+                      </p:childTnLst>
+                    </p:cTn>
+                  </p:par>
+                  <p:par>
+                    <p:cTn id="11" fill="hold">
+                      <p:stCondLst>
+                        <p:cond delay="indefinite"/>
+                      </p:stCondLst>
+                      <p:childTnLst>
+                        <p:par>
+                          <p:cTn id="12" fill="hold">
+                            <p:stCondLst>
+                              <p:cond delay="0"/>
+                            </p:stCondLst>
+                            <p:childTnLst>
+                              <p:par>
+                                <p:cTn id="13" presetID="1" presetClass="mediacall" presetSubtype="0" fill="hold" nodeType="clickEffect">
+                                  <p:stCondLst>
+                                    <p:cond delay="0"/>
+                                  </p:stCondLst>
+                                  <p:childTnLst>
+                                    <p:cmd type="call" cmd="playFrom(0.0)">
+                                      <p:cBhvr>
+                                        <p:cTn id="14" dur="3263" fill="hold"/>
+                                        <p:tgtEl>
+                                          <p:spTgt spid="6"/>
+                                        </p:tgtEl>
+                                      </p:cBhvr>
+                                    </p:cmd>
+                                  </p:childTnLst>
+                                </p:cTn>
+                              </p:par>
+                            </p:childTnLst>
+                          </p:cTn>
+                        </p:par>
+                      </p:childTnLst>
+                    </p:cTn>
+                  </p:par>
+                  <p:par>
+                    <p:cTn id="15" fill="hold">
+                      <p:stCondLst>
+                        <p:cond delay="indefinite"/>
+                      </p:stCondLst>
+                      <p:childTnLst>
+                        <p:par>
+                          <p:cTn id="16" fill="hold">
+                            <p:stCondLst>
+                              <p:cond delay="0"/>
+                            </p:stCondLst>
+                            <p:childTnLst>
+                              <p:par>
+                                <p:cTn id="17" presetID="1" presetClass="mediacall" presetSubtype="0" fill="hold" nodeType="clickEffect">
+                                  <p:stCondLst>
+                                    <p:cond delay="0"/>
+                                  </p:stCondLst>
+                                  <p:childTnLst>
+                                    <p:cmd type="call" cmd="playFrom(0.0)">
+                                      <p:cBhvr>
+                                        <p:cTn id="18" dur="3263" fill="hold"/>
+                                        <p:tgtEl>
+                                          <p:spTgt spid="7"/>
+                                        </p:tgtEl>
+                                      </p:cBhvr>
+                                    </p:cmd>
+                                  </p:childTnLst>
+                                </p:cTn>
+                              </p:par>
+                            </p:childTnLst>
+                          </p:cTn>
+                        </p:par>
+                      </p:childTnLst>
+                    </p:cTn>
+                  </p:par>
+                </p:childTnLst>
+              </p:cTn>
+              <p:prevCondLst>
+                <p:cond evt="onPrev" delay="0">
+                  <p:tgtEl>
+                    <p:sldTgt/>
+                  </p:tgtEl>
+                </p:cond>
+              </p:prevCondLst>
+              <p:nextCondLst>
+                <p:cond evt="onNext" delay="0">
+                  <p:tgtEl>
+                    <p:sldTgt/>
+                  </p:tgtEl>
+                </p:cond>
+              </p:nextCondLst>
+            </p:seq>
+            <p:audio>
+              <p:cMediaNode vol="80000">
+                <p:cTn id="19" fill="hold" display="0">
+                  <p:stCondLst>
+                    <p:cond delay="indefinite"/>
+                  </p:stCondLst>
+                  <p:endCondLst>
+                    <p:cond evt="onStopAudio" delay="0">
+                      <p:tgtEl>
+                        <p:sldTgt/>
+                      </p:tgtEl>
+                    </p:cond>
+                  </p:endCondLst>
+                </p:cTn>
+                <p:tgtEl>
+                  <p:spTgt spid="4"/>
+                </p:tgtEl>
+              </p:cMediaNode>
+            </p:audio>
+            <p:audio>
+              <p:cMediaNode vol="80000">
+                <p:cTn id="20" fill="hold" display="0">
+                  <p:stCondLst>
+                    <p:cond delay="indefinite"/>
+                  </p:stCondLst>
+                  <p:endCondLst>
+                    <p:cond evt="onStopAudio" delay="0">
+                      <p:tgtEl>
+                        <p:sldTgt/>
+                      </p:tgtEl>
+                    </p:cond>
+                  </p:endCondLst>
+                </p:cTn>
+                <p:tgtEl>
+                  <p:spTgt spid="5"/>
+                </p:tgtEl>
+              </p:cMediaNode>
+            </p:audio>
+            <p:audio>
+              <p:cMediaNode vol="80000">
+                <p:cTn id="21" fill="hold" display="0">
+                  <p:stCondLst>
+                    <p:cond delay="indefinite"/>
+                  </p:stCondLst>
+                  <p:endCondLst>
+                    <p:cond evt="onStopAudio" delay="0">
+                      <p:tgtEl>
+                        <p:sldTgt/>
+                      </p:tgtEl>
+                    </p:cond>
+                  </p:endCondLst>
+                </p:cTn>
+                <p:tgtEl>
+                  <p:spTgt spid="6"/>
+                </p:tgtEl>
+              </p:cMediaNode>
+            </p:audio>
+            <p:audio>
+              <p:cMediaNode vol="80000">
+                <p:cTn id="22" fill="hold" display="0">
+                  <p:stCondLst>
+                    <p:cond delay="indefinite"/>
+                  </p:stCondLst>
+                  <p:endCondLst>
+                    <p:cond evt="onStopAudio" delay="0">
+                      <p:tgtEl>
+                        <p:sldTgt/>
+                      </p:tgtEl>
+                    </p:cond>
+                  </p:endCondLst>
+                </p:cTn>
+                <p:tgtEl>
+                  <p:spTgt spid="7"/>
+                </p:tgtEl>
+              </p:cMediaNode>
+            </p:audio>
+          </p:childTnLst>
+        </p:cTn>
+      </p:par>
+    </p:tnLst>
+  </p:timing>
 </p:sld>
 </file>
 
